--- a/Proposal/Proposal presentation.pptx
+++ b/Proposal/Proposal presentation.pptx
@@ -1,36 +1,26 @@
 
 <file path=ppt/presentation.xml><?xml version="1.0" encoding="utf-8"?>
-<p:presentation xmlns:a="http://schemas.openxmlformats.org/drawingml/2006/main" xmlns:r="http://schemas.openxmlformats.org/officeDocument/2006/relationships" xmlns:mc="http://schemas.openxmlformats.org/markup-compatibility/2006" xmlns:mv="urn:schemas-microsoft-com:mac:vml" xmlns:p="http://schemas.openxmlformats.org/presentationml/2006/main" xmlns:c="http://schemas.openxmlformats.org/drawingml/2006/chart" xmlns:dgm="http://schemas.openxmlformats.org/drawingml/2006/diagram" xmlns:o="urn:schemas-microsoft-com:office:office" xmlns:v="urn:schemas-microsoft-com:vml" xmlns:pvml="urn:schemas-microsoft-com:office:powerpoint" xmlns:com="http://schemas.openxmlformats.org/drawingml/2006/compatibility" xmlns:p14="http://schemas.microsoft.com/office/powerpoint/2010/main" autoCompressPictures="0" embedTrueTypeFonts="1" strictFirstAndLastChars="0" saveSubsetFonts="1">
+<p:presentation xmlns:a="http://schemas.openxmlformats.org/drawingml/2006/main" xmlns:r="http://schemas.openxmlformats.org/officeDocument/2006/relationships" xmlns:p="http://schemas.openxmlformats.org/presentationml/2006/main" strictFirstAndLastChars="0" embedTrueTypeFonts="1" saveSubsetFonts="1" autoCompressPictures="0">
   <p:sldMasterIdLst>
-    <p:sldMasterId id="2147483659" r:id="rId3"/>
+    <p:sldMasterId id="2147483659" r:id="rId1"/>
   </p:sldMasterIdLst>
   <p:notesMasterIdLst>
-    <p:notesMasterId r:id="rId4"/>
+    <p:notesMasterId r:id="rId10"/>
   </p:notesMasterIdLst>
   <p:sldIdLst>
-    <p:sldId id="256" r:id="rId5"/>
-    <p:sldId id="257" r:id="rId6"/>
-    <p:sldId id="258" r:id="rId7"/>
-    <p:sldId id="259" r:id="rId8"/>
-    <p:sldId id="260" r:id="rId9"/>
-    <p:sldId id="261" r:id="rId10"/>
-    <p:sldId id="262" r:id="rId11"/>
+    <p:sldId id="256" r:id="rId2"/>
+    <p:sldId id="257" r:id="rId3"/>
+    <p:sldId id="258" r:id="rId4"/>
+    <p:sldId id="259" r:id="rId5"/>
+    <p:sldId id="260" r:id="rId6"/>
+    <p:sldId id="262" r:id="rId7"/>
+    <p:sldId id="261" r:id="rId8"/>
+    <p:sldId id="263" r:id="rId9"/>
   </p:sldIdLst>
-  <p:sldSz cy="5143500" cx="9144000"/>
+  <p:sldSz cx="9144000" cy="5143500" type="screen16x9"/>
   <p:notesSz cx="6858000" cy="9144000"/>
-  <p:embeddedFontLst>
-    <p:embeddedFont>
-      <p:font typeface="Average"/>
-      <p:regular r:id="rId12"/>
-    </p:embeddedFont>
-    <p:embeddedFont>
-      <p:font typeface="Oswald"/>
-      <p:regular r:id="rId13"/>
-      <p:bold r:id="rId14"/>
-    </p:embeddedFont>
-  </p:embeddedFontLst>
   <p:defaultTextStyle>
-    <a:defPPr lvl="0" marR="0" rtl="0" algn="l">
+    <a:defPPr marR="0" lvl="0" algn="l" rtl="0">
       <a:lnSpc>
         <a:spcPct val="100000"/>
       </a:lnSpc>
@@ -41,7 +31,7 @@
         <a:spcPts val="0"/>
       </a:spcAft>
     </a:defPPr>
-    <a:lvl1pPr lvl="0" marR="0" rtl="0" algn="l">
+    <a:lvl1pPr marR="0" lvl="0" algn="l" rtl="0">
       <a:lnSpc>
         <a:spcPct val="100000"/>
       </a:lnSpc>
@@ -52,7 +42,7 @@
         <a:spcPts val="0"/>
       </a:spcAft>
       <a:buNone/>
-      <a:defRPr b="0" i="0" sz="1400" u="none" cap="none" strike="noStrike">
+      <a:defRPr sz="1400" b="0" i="0" u="none" strike="noStrike" cap="none">
         <a:solidFill>
           <a:srgbClr val="000000"/>
         </a:solidFill>
@@ -63,7 +53,7 @@
         <a:rtl val="0"/>
       </a:defRPr>
     </a:lvl1pPr>
-    <a:lvl2pPr lvl="1" marR="0" rtl="0" algn="l">
+    <a:lvl2pPr marR="0" lvl="1" algn="l" rtl="0">
       <a:lnSpc>
         <a:spcPct val="100000"/>
       </a:lnSpc>
@@ -74,7 +64,7 @@
         <a:spcPts val="0"/>
       </a:spcAft>
       <a:buNone/>
-      <a:defRPr b="0" i="0" sz="1400" u="none" cap="none" strike="noStrike">
+      <a:defRPr sz="1400" b="0" i="0" u="none" strike="noStrike" cap="none">
         <a:solidFill>
           <a:srgbClr val="000000"/>
         </a:solidFill>
@@ -85,7 +75,7 @@
         <a:rtl val="0"/>
       </a:defRPr>
     </a:lvl2pPr>
-    <a:lvl3pPr lvl="2" marR="0" rtl="0" algn="l">
+    <a:lvl3pPr marR="0" lvl="2" algn="l" rtl="0">
       <a:lnSpc>
         <a:spcPct val="100000"/>
       </a:lnSpc>
@@ -96,7 +86,7 @@
         <a:spcPts val="0"/>
       </a:spcAft>
       <a:buNone/>
-      <a:defRPr b="0" i="0" sz="1400" u="none" cap="none" strike="noStrike">
+      <a:defRPr sz="1400" b="0" i="0" u="none" strike="noStrike" cap="none">
         <a:solidFill>
           <a:srgbClr val="000000"/>
         </a:solidFill>
@@ -107,7 +97,7 @@
         <a:rtl val="0"/>
       </a:defRPr>
     </a:lvl3pPr>
-    <a:lvl4pPr lvl="3" marR="0" rtl="0" algn="l">
+    <a:lvl4pPr marR="0" lvl="3" algn="l" rtl="0">
       <a:lnSpc>
         <a:spcPct val="100000"/>
       </a:lnSpc>
@@ -118,7 +108,7 @@
         <a:spcPts val="0"/>
       </a:spcAft>
       <a:buNone/>
-      <a:defRPr b="0" i="0" sz="1400" u="none" cap="none" strike="noStrike">
+      <a:defRPr sz="1400" b="0" i="0" u="none" strike="noStrike" cap="none">
         <a:solidFill>
           <a:srgbClr val="000000"/>
         </a:solidFill>
@@ -129,7 +119,7 @@
         <a:rtl val="0"/>
       </a:defRPr>
     </a:lvl4pPr>
-    <a:lvl5pPr lvl="4" marR="0" rtl="0" algn="l">
+    <a:lvl5pPr marR="0" lvl="4" algn="l" rtl="0">
       <a:lnSpc>
         <a:spcPct val="100000"/>
       </a:lnSpc>
@@ -140,7 +130,7 @@
         <a:spcPts val="0"/>
       </a:spcAft>
       <a:buNone/>
-      <a:defRPr b="0" i="0" sz="1400" u="none" cap="none" strike="noStrike">
+      <a:defRPr sz="1400" b="0" i="0" u="none" strike="noStrike" cap="none">
         <a:solidFill>
           <a:srgbClr val="000000"/>
         </a:solidFill>
@@ -151,7 +141,7 @@
         <a:rtl val="0"/>
       </a:defRPr>
     </a:lvl5pPr>
-    <a:lvl6pPr lvl="5" marR="0" rtl="0" algn="l">
+    <a:lvl6pPr marR="0" lvl="5" algn="l" rtl="0">
       <a:lnSpc>
         <a:spcPct val="100000"/>
       </a:lnSpc>
@@ -162,7 +152,7 @@
         <a:spcPts val="0"/>
       </a:spcAft>
       <a:buNone/>
-      <a:defRPr b="0" i="0" sz="1400" u="none" cap="none" strike="noStrike">
+      <a:defRPr sz="1400" b="0" i="0" u="none" strike="noStrike" cap="none">
         <a:solidFill>
           <a:srgbClr val="000000"/>
         </a:solidFill>
@@ -173,7 +163,7 @@
         <a:rtl val="0"/>
       </a:defRPr>
     </a:lvl6pPr>
-    <a:lvl7pPr lvl="6" marR="0" rtl="0" algn="l">
+    <a:lvl7pPr marR="0" lvl="6" algn="l" rtl="0">
       <a:lnSpc>
         <a:spcPct val="100000"/>
       </a:lnSpc>
@@ -184,7 +174,7 @@
         <a:spcPts val="0"/>
       </a:spcAft>
       <a:buNone/>
-      <a:defRPr b="0" i="0" sz="1400" u="none" cap="none" strike="noStrike">
+      <a:defRPr sz="1400" b="0" i="0" u="none" strike="noStrike" cap="none">
         <a:solidFill>
           <a:srgbClr val="000000"/>
         </a:solidFill>
@@ -195,7 +185,7 @@
         <a:rtl val="0"/>
       </a:defRPr>
     </a:lvl7pPr>
-    <a:lvl8pPr lvl="7" marR="0" rtl="0" algn="l">
+    <a:lvl8pPr marR="0" lvl="7" algn="l" rtl="0">
       <a:lnSpc>
         <a:spcPct val="100000"/>
       </a:lnSpc>
@@ -206,7 +196,7 @@
         <a:spcPts val="0"/>
       </a:spcAft>
       <a:buNone/>
-      <a:defRPr b="0" i="0" sz="1400" u="none" cap="none" strike="noStrike">
+      <a:defRPr sz="1400" b="0" i="0" u="none" strike="noStrike" cap="none">
         <a:solidFill>
           <a:srgbClr val="000000"/>
         </a:solidFill>
@@ -217,7 +207,7 @@
         <a:rtl val="0"/>
       </a:defRPr>
     </a:lvl8pPr>
-    <a:lvl9pPr lvl="8" marR="0" rtl="0" algn="l">
+    <a:lvl9pPr marR="0" lvl="8" algn="l" rtl="0">
       <a:lnSpc>
         <a:spcPct val="100000"/>
       </a:lnSpc>
@@ -228,7 +218,7 @@
         <a:spcPts val="0"/>
       </a:spcAft>
       <a:buNone/>
-      <a:defRPr b="0" i="0" sz="1400" u="none" cap="none" strike="noStrike">
+      <a:defRPr sz="1400" b="0" i="0" u="none" strike="noStrike" cap="none">
         <a:solidFill>
           <a:srgbClr val="000000"/>
         </a:solidFill>
@@ -243,12 +233,17 @@
 </p:presentation>
 </file>
 
-<file path=ppt/notesMasters/notesMaster.xml><?xml version="1.0" encoding="utf-8"?>
-<p:notesMaster xmlns:a="http://schemas.openxmlformats.org/drawingml/2006/main" xmlns:r="http://schemas.openxmlformats.org/officeDocument/2006/relationships" xmlns:mc="http://schemas.openxmlformats.org/markup-compatibility/2006" xmlns:mv="urn:schemas-microsoft-com:mac:vml" xmlns:p="http://schemas.openxmlformats.org/presentationml/2006/main" xmlns:c="http://schemas.openxmlformats.org/drawingml/2006/chart" xmlns:dgm="http://schemas.openxmlformats.org/drawingml/2006/diagram" xmlns:o="urn:schemas-microsoft-com:office:office" xmlns:v="urn:schemas-microsoft-com:vml" xmlns:pvml="urn:schemas-microsoft-com:office:powerpoint" xmlns:com="http://schemas.openxmlformats.org/drawingml/2006/compatibility" xmlns:p14="http://schemas.microsoft.com/office/powerpoint/2010/main">
+<file path=ppt/notesMasters/notesMaster1.xml><?xml version="1.0" encoding="utf-8"?>
+<p:notesMaster xmlns:a="http://schemas.openxmlformats.org/drawingml/2006/main" xmlns:r="http://schemas.openxmlformats.org/officeDocument/2006/relationships" xmlns:p="http://schemas.openxmlformats.org/presentationml/2006/main">
   <p:cSld>
+    <p:bg>
+      <p:bgRef idx="1001">
+        <a:schemeClr val="bg1"/>
+      </p:bgRef>
+    </p:bg>
     <p:spTree>
       <p:nvGrpSpPr>
-        <p:cNvPr id="2" name="Shape 2"/>
+        <p:cNvPr id="1" name="Shape 2"/>
         <p:cNvGrpSpPr/>
         <p:nvPr/>
       </p:nvGrpSpPr>
@@ -263,9 +258,11 @@
       <p:sp>
         <p:nvSpPr>
           <p:cNvPr id="3" name="Shape 3"/>
-          <p:cNvSpPr/>
+          <p:cNvSpPr>
+            <a:spLocks noGrp="1" noRot="1" noChangeAspect="1"/>
+          </p:cNvSpPr>
           <p:nvPr>
-            <p:ph idx="2" type="sldImg"/>
+            <p:ph type="sldImg" idx="2"/>
           </p:nvPr>
         </p:nvSpPr>
         <p:spPr>
@@ -274,8 +271,13 @@
             <a:ext cx="6096075" cy="3429000"/>
           </a:xfrm>
           <a:custGeom>
+            <a:avLst/>
+            <a:gdLst/>
+            <a:ahLst/>
+            <a:cxnLst/>
+            <a:rect l="0" t="0" r="0" b="0"/>
             <a:pathLst>
-              <a:path extrusionOk="0" h="120000" w="120000">
+              <a:path w="120000" h="120000" extrusionOk="0">
                 <a:moveTo>
                   <a:pt x="0" y="0"/>
                 </a:moveTo>
@@ -293,23 +295,25 @@
             </a:pathLst>
           </a:custGeom>
           <a:noFill/>
-          <a:ln cap="flat" cmpd="sng" w="9525">
+          <a:ln w="9525" cap="flat" cmpd="sng">
             <a:solidFill>
               <a:srgbClr val="000000"/>
             </a:solidFill>
             <a:prstDash val="solid"/>
             <a:round/>
-            <a:headEnd len="med" w="med" type="none"/>
-            <a:tailEnd len="med" w="med" type="none"/>
+            <a:headEnd type="none" w="med" len="med"/>
+            <a:tailEnd type="none" w="med" len="med"/>
           </a:ln>
         </p:spPr>
       </p:sp>
       <p:sp>
         <p:nvSpPr>
           <p:cNvPr id="4" name="Shape 4"/>
-          <p:cNvSpPr txBox="1"/>
+          <p:cNvSpPr txBox="1">
+            <a:spLocks noGrp="1"/>
+          </p:cNvSpPr>
           <p:nvPr>
-            <p:ph idx="1" type="body"/>
+            <p:ph type="body" idx="1"/>
           </p:nvPr>
         </p:nvSpPr>
         <p:spPr>
@@ -326,7 +330,7 @@
           </a:ln>
         </p:spPr>
         <p:txBody>
-          <a:bodyPr anchorCtr="0" anchor="t" bIns="91425" lIns="91425" rIns="91425" tIns="91425"/>
+          <a:bodyPr lIns="91425" tIns="91425" rIns="91425" bIns="91425" anchor="t" anchorCtr="0"/>
           <a:lstStyle>
             <a:lvl1pPr lvl="0">
               <a:spcBef>
@@ -383,21 +387,120 @@
               <a:defRPr sz="1100"/>
             </a:lvl9pPr>
           </a:lstStyle>
-          <a:p/>
+          <a:p>
+            <a:endParaRPr/>
+          </a:p>
         </p:txBody>
       </p:sp>
     </p:spTree>
+    <p:extLst>
+      <p:ext uri="{BB962C8B-B14F-4D97-AF65-F5344CB8AC3E}">
+        <p14:creationId xmlns:p14="http://schemas.microsoft.com/office/powerpoint/2010/main" val="2543903191"/>
+      </p:ext>
+    </p:extLst>
   </p:cSld>
-  <p:clrMap accent1="accent1" accent2="accent2" accent3="accent3" accent4="accent4" accent5="accent5" accent6="accent6" bg1="lt1" bg2="dk2" tx1="dk1" tx2="lt2" folHlink="folHlink" hlink="hlink"/>
+  <p:clrMap bg1="lt1" tx1="dk1" bg2="dk2" tx2="lt2" accent1="accent1" accent2="accent2" accent3="accent3" accent4="accent4" accent5="accent5" accent6="accent6" hlink="hlink" folHlink="folHlink"/>
+  <p:notesStyle>
+    <a:lvl1pPr marL="0" algn="l" defTabSz="457200" rtl="0" eaLnBrk="1" latinLnBrk="0" hangingPunct="1">
+      <a:defRPr sz="1200" kern="1200">
+        <a:solidFill>
+          <a:schemeClr val="tx1"/>
+        </a:solidFill>
+        <a:latin typeface="+mn-lt"/>
+        <a:ea typeface="+mn-ea"/>
+        <a:cs typeface="+mn-cs"/>
+      </a:defRPr>
+    </a:lvl1pPr>
+    <a:lvl2pPr marL="457200" algn="l" defTabSz="457200" rtl="0" eaLnBrk="1" latinLnBrk="0" hangingPunct="1">
+      <a:defRPr sz="1200" kern="1200">
+        <a:solidFill>
+          <a:schemeClr val="tx1"/>
+        </a:solidFill>
+        <a:latin typeface="+mn-lt"/>
+        <a:ea typeface="+mn-ea"/>
+        <a:cs typeface="+mn-cs"/>
+      </a:defRPr>
+    </a:lvl2pPr>
+    <a:lvl3pPr marL="914400" algn="l" defTabSz="457200" rtl="0" eaLnBrk="1" latinLnBrk="0" hangingPunct="1">
+      <a:defRPr sz="1200" kern="1200">
+        <a:solidFill>
+          <a:schemeClr val="tx1"/>
+        </a:solidFill>
+        <a:latin typeface="+mn-lt"/>
+        <a:ea typeface="+mn-ea"/>
+        <a:cs typeface="+mn-cs"/>
+      </a:defRPr>
+    </a:lvl3pPr>
+    <a:lvl4pPr marL="1371600" algn="l" defTabSz="457200" rtl="0" eaLnBrk="1" latinLnBrk="0" hangingPunct="1">
+      <a:defRPr sz="1200" kern="1200">
+        <a:solidFill>
+          <a:schemeClr val="tx1"/>
+        </a:solidFill>
+        <a:latin typeface="+mn-lt"/>
+        <a:ea typeface="+mn-ea"/>
+        <a:cs typeface="+mn-cs"/>
+      </a:defRPr>
+    </a:lvl4pPr>
+    <a:lvl5pPr marL="1828800" algn="l" defTabSz="457200" rtl="0" eaLnBrk="1" latinLnBrk="0" hangingPunct="1">
+      <a:defRPr sz="1200" kern="1200">
+        <a:solidFill>
+          <a:schemeClr val="tx1"/>
+        </a:solidFill>
+        <a:latin typeface="+mn-lt"/>
+        <a:ea typeface="+mn-ea"/>
+        <a:cs typeface="+mn-cs"/>
+      </a:defRPr>
+    </a:lvl5pPr>
+    <a:lvl6pPr marL="2286000" algn="l" defTabSz="457200" rtl="0" eaLnBrk="1" latinLnBrk="0" hangingPunct="1">
+      <a:defRPr sz="1200" kern="1200">
+        <a:solidFill>
+          <a:schemeClr val="tx1"/>
+        </a:solidFill>
+        <a:latin typeface="+mn-lt"/>
+        <a:ea typeface="+mn-ea"/>
+        <a:cs typeface="+mn-cs"/>
+      </a:defRPr>
+    </a:lvl6pPr>
+    <a:lvl7pPr marL="2743200" algn="l" defTabSz="457200" rtl="0" eaLnBrk="1" latinLnBrk="0" hangingPunct="1">
+      <a:defRPr sz="1200" kern="1200">
+        <a:solidFill>
+          <a:schemeClr val="tx1"/>
+        </a:solidFill>
+        <a:latin typeface="+mn-lt"/>
+        <a:ea typeface="+mn-ea"/>
+        <a:cs typeface="+mn-cs"/>
+      </a:defRPr>
+    </a:lvl7pPr>
+    <a:lvl8pPr marL="3200400" algn="l" defTabSz="457200" rtl="0" eaLnBrk="1" latinLnBrk="0" hangingPunct="1">
+      <a:defRPr sz="1200" kern="1200">
+        <a:solidFill>
+          <a:schemeClr val="tx1"/>
+        </a:solidFill>
+        <a:latin typeface="+mn-lt"/>
+        <a:ea typeface="+mn-ea"/>
+        <a:cs typeface="+mn-cs"/>
+      </a:defRPr>
+    </a:lvl8pPr>
+    <a:lvl9pPr marL="3657600" algn="l" defTabSz="457200" rtl="0" eaLnBrk="1" latinLnBrk="0" hangingPunct="1">
+      <a:defRPr sz="1200" kern="1200">
+        <a:solidFill>
+          <a:schemeClr val="tx1"/>
+        </a:solidFill>
+        <a:latin typeface="+mn-lt"/>
+        <a:ea typeface="+mn-ea"/>
+        <a:cs typeface="+mn-cs"/>
+      </a:defRPr>
+    </a:lvl9pPr>
+  </p:notesStyle>
 </p:notesMaster>
 </file>
 
-<file path=ppt/notesSlides/notesSlide.xml><?xml version="1.0" encoding="utf-8"?>
-<p:notes xmlns:a="http://schemas.openxmlformats.org/drawingml/2006/main" xmlns:r="http://schemas.openxmlformats.org/officeDocument/2006/relationships" xmlns:mc="http://schemas.openxmlformats.org/markup-compatibility/2006" xmlns:mv="urn:schemas-microsoft-com:mac:vml" xmlns:p="http://schemas.openxmlformats.org/presentationml/2006/main" xmlns:c="http://schemas.openxmlformats.org/drawingml/2006/chart" xmlns:dgm="http://schemas.openxmlformats.org/drawingml/2006/diagram" xmlns:o="urn:schemas-microsoft-com:office:office" xmlns:v="urn:schemas-microsoft-com:vml" xmlns:pvml="urn:schemas-microsoft-com:office:powerpoint" xmlns:com="http://schemas.openxmlformats.org/drawingml/2006/compatibility" xmlns:p14="http://schemas.microsoft.com/office/powerpoint/2010/main" showMasterPhAnim="0" showMasterSp="0">
+<file path=ppt/notesSlides/notesSlide1.xml><?xml version="1.0" encoding="utf-8"?>
+<p:notes xmlns:a="http://schemas.openxmlformats.org/drawingml/2006/main" xmlns:r="http://schemas.openxmlformats.org/officeDocument/2006/relationships" xmlns:p="http://schemas.openxmlformats.org/presentationml/2006/main" showMasterSp="0" showMasterPhAnim="0">
   <p:cSld>
     <p:spTree>
       <p:nvGrpSpPr>
-        <p:cNvPr id="55" name="Shape 55"/>
+        <p:cNvPr id="1" name="Shape 55"/>
         <p:cNvGrpSpPr/>
         <p:nvPr/>
       </p:nvGrpSpPr>
@@ -412,9 +515,11 @@
       <p:sp>
         <p:nvSpPr>
           <p:cNvPr id="56" name="Shape 56"/>
-          <p:cNvSpPr/>
+          <p:cNvSpPr>
+            <a:spLocks noGrp="1" noRot="1" noChangeAspect="1"/>
+          </p:cNvSpPr>
           <p:nvPr>
-            <p:ph idx="2" type="sldImg"/>
+            <p:ph type="sldImg" idx="2"/>
           </p:nvPr>
         </p:nvSpPr>
         <p:spPr>
@@ -423,8 +528,13 @@
             <a:ext cx="6096075" cy="3429000"/>
           </a:xfrm>
           <a:custGeom>
+            <a:avLst/>
+            <a:gdLst/>
+            <a:ahLst/>
+            <a:cxnLst/>
+            <a:rect l="0" t="0" r="0" b="0"/>
             <a:pathLst>
-              <a:path extrusionOk="0" h="120000" w="120000">
+              <a:path w="120000" h="120000" extrusionOk="0">
                 <a:moveTo>
                   <a:pt x="0" y="0"/>
                 </a:moveTo>
@@ -446,9 +556,11 @@
       <p:sp>
         <p:nvSpPr>
           <p:cNvPr id="57" name="Shape 57"/>
-          <p:cNvSpPr txBox="1"/>
+          <p:cNvSpPr txBox="1">
+            <a:spLocks noGrp="1"/>
+          </p:cNvSpPr>
           <p:nvPr>
-            <p:ph idx="1" type="body"/>
+            <p:ph type="body" idx="1"/>
           </p:nvPr>
         </p:nvSpPr>
         <p:spPr>
@@ -461,7 +573,7 @@
           </a:prstGeom>
         </p:spPr>
         <p:txBody>
-          <a:bodyPr anchorCtr="0" anchor="t" bIns="91425" lIns="91425" rIns="91425" tIns="91425">
+          <a:bodyPr lIns="91425" tIns="91425" rIns="91425" bIns="91425" anchor="t" anchorCtr="0">
             <a:noAutofit/>
           </a:bodyPr>
           <a:lstStyle/>
@@ -472,9 +584,6 @@
               </a:spcBef>
               <a:buNone/>
             </a:pPr>
-            <a:r>
-              <a:t/>
-            </a:r>
             <a:endParaRPr/>
           </a:p>
         </p:txBody>
@@ -487,12 +596,12 @@
 </p:notes>
 </file>
 
-<file path=ppt/notesSlides/notesSlide1.xml><?xml version="1.0" encoding="utf-8"?>
-<p:notes xmlns:a="http://schemas.openxmlformats.org/drawingml/2006/main" xmlns:r="http://schemas.openxmlformats.org/officeDocument/2006/relationships" xmlns:mc="http://schemas.openxmlformats.org/markup-compatibility/2006" xmlns:mv="urn:schemas-microsoft-com:mac:vml" xmlns:p="http://schemas.openxmlformats.org/presentationml/2006/main" xmlns:c="http://schemas.openxmlformats.org/drawingml/2006/chart" xmlns:dgm="http://schemas.openxmlformats.org/drawingml/2006/diagram" xmlns:o="urn:schemas-microsoft-com:office:office" xmlns:v="urn:schemas-microsoft-com:vml" xmlns:pvml="urn:schemas-microsoft-com:office:powerpoint" xmlns:com="http://schemas.openxmlformats.org/drawingml/2006/compatibility" xmlns:p14="http://schemas.microsoft.com/office/powerpoint/2010/main" showMasterPhAnim="0" showMasterSp="0">
+<file path=ppt/notesSlides/notesSlide2.xml><?xml version="1.0" encoding="utf-8"?>
+<p:notes xmlns:a="http://schemas.openxmlformats.org/drawingml/2006/main" xmlns:r="http://schemas.openxmlformats.org/officeDocument/2006/relationships" xmlns:p="http://schemas.openxmlformats.org/presentationml/2006/main" showMasterSp="0" showMasterPhAnim="0">
   <p:cSld>
     <p:spTree>
       <p:nvGrpSpPr>
-        <p:cNvPr id="61" name="Shape 61"/>
+        <p:cNvPr id="1" name="Shape 61"/>
         <p:cNvGrpSpPr/>
         <p:nvPr/>
       </p:nvGrpSpPr>
@@ -507,9 +616,11 @@
       <p:sp>
         <p:nvSpPr>
           <p:cNvPr id="62" name="Shape 62"/>
-          <p:cNvSpPr/>
+          <p:cNvSpPr>
+            <a:spLocks noGrp="1" noRot="1" noChangeAspect="1"/>
+          </p:cNvSpPr>
           <p:nvPr>
-            <p:ph idx="2" type="sldImg"/>
+            <p:ph type="sldImg" idx="2"/>
           </p:nvPr>
         </p:nvSpPr>
         <p:spPr>
@@ -518,8 +629,13 @@
             <a:ext cx="6096000" cy="3429000"/>
           </a:xfrm>
           <a:custGeom>
+            <a:avLst/>
+            <a:gdLst/>
+            <a:ahLst/>
+            <a:cxnLst/>
+            <a:rect l="0" t="0" r="0" b="0"/>
             <a:pathLst>
-              <a:path extrusionOk="0" h="120000" w="120000">
+              <a:path w="120000" h="120000" extrusionOk="0">
                 <a:moveTo>
                   <a:pt x="0" y="0"/>
                 </a:moveTo>
@@ -541,9 +657,11 @@
       <p:sp>
         <p:nvSpPr>
           <p:cNvPr id="63" name="Shape 63"/>
-          <p:cNvSpPr txBox="1"/>
+          <p:cNvSpPr txBox="1">
+            <a:spLocks noGrp="1"/>
+          </p:cNvSpPr>
           <p:nvPr>
-            <p:ph idx="1" type="body"/>
+            <p:ph type="body" idx="1"/>
           </p:nvPr>
         </p:nvSpPr>
         <p:spPr>
@@ -556,7 +674,7 @@
           </a:prstGeom>
         </p:spPr>
         <p:txBody>
-          <a:bodyPr anchorCtr="0" anchor="t" bIns="91425" lIns="91425" rIns="91425" tIns="91425">
+          <a:bodyPr lIns="91425" tIns="91425" rIns="91425" bIns="91425" anchor="t" anchorCtr="0">
             <a:noAutofit/>
           </a:bodyPr>
           <a:lstStyle/>
@@ -606,12 +724,12 @@
 </p:notes>
 </file>
 
-<file path=ppt/notesSlides/notesSlide2.xml><?xml version="1.0" encoding="utf-8"?>
-<p:notes xmlns:a="http://schemas.openxmlformats.org/drawingml/2006/main" xmlns:r="http://schemas.openxmlformats.org/officeDocument/2006/relationships" xmlns:mc="http://schemas.openxmlformats.org/markup-compatibility/2006" xmlns:mv="urn:schemas-microsoft-com:mac:vml" xmlns:p="http://schemas.openxmlformats.org/presentationml/2006/main" xmlns:c="http://schemas.openxmlformats.org/drawingml/2006/chart" xmlns:dgm="http://schemas.openxmlformats.org/drawingml/2006/diagram" xmlns:o="urn:schemas-microsoft-com:office:office" xmlns:v="urn:schemas-microsoft-com:vml" xmlns:pvml="urn:schemas-microsoft-com:office:powerpoint" xmlns:com="http://schemas.openxmlformats.org/drawingml/2006/compatibility" xmlns:p14="http://schemas.microsoft.com/office/powerpoint/2010/main" showMasterPhAnim="0" showMasterSp="0">
+<file path=ppt/notesSlides/notesSlide3.xml><?xml version="1.0" encoding="utf-8"?>
+<p:notes xmlns:a="http://schemas.openxmlformats.org/drawingml/2006/main" xmlns:r="http://schemas.openxmlformats.org/officeDocument/2006/relationships" xmlns:p="http://schemas.openxmlformats.org/presentationml/2006/main" showMasterSp="0" showMasterPhAnim="0">
   <p:cSld>
     <p:spTree>
       <p:nvGrpSpPr>
-        <p:cNvPr id="73" name="Shape 73"/>
+        <p:cNvPr id="1" name="Shape 73"/>
         <p:cNvGrpSpPr/>
         <p:nvPr/>
       </p:nvGrpSpPr>
@@ -626,9 +744,11 @@
       <p:sp>
         <p:nvSpPr>
           <p:cNvPr id="74" name="Shape 74"/>
-          <p:cNvSpPr/>
+          <p:cNvSpPr>
+            <a:spLocks noGrp="1" noRot="1" noChangeAspect="1"/>
+          </p:cNvSpPr>
           <p:nvPr>
-            <p:ph idx="2" type="sldImg"/>
+            <p:ph type="sldImg" idx="2"/>
           </p:nvPr>
         </p:nvSpPr>
         <p:spPr>
@@ -637,8 +757,13 @@
             <a:ext cx="6096000" cy="3429000"/>
           </a:xfrm>
           <a:custGeom>
+            <a:avLst/>
+            <a:gdLst/>
+            <a:ahLst/>
+            <a:cxnLst/>
+            <a:rect l="0" t="0" r="0" b="0"/>
             <a:pathLst>
-              <a:path extrusionOk="0" h="120000" w="120000">
+              <a:path w="120000" h="120000" extrusionOk="0">
                 <a:moveTo>
                   <a:pt x="0" y="0"/>
                 </a:moveTo>
@@ -660,9 +785,11 @@
       <p:sp>
         <p:nvSpPr>
           <p:cNvPr id="75" name="Shape 75"/>
-          <p:cNvSpPr txBox="1"/>
+          <p:cNvSpPr txBox="1">
+            <a:spLocks noGrp="1"/>
+          </p:cNvSpPr>
           <p:nvPr>
-            <p:ph idx="1" type="body"/>
+            <p:ph type="body" idx="1"/>
           </p:nvPr>
         </p:nvSpPr>
         <p:spPr>
@@ -675,7 +802,7 @@
           </a:prstGeom>
         </p:spPr>
         <p:txBody>
-          <a:bodyPr anchorCtr="0" anchor="t" bIns="91425" lIns="91425" rIns="91425" tIns="91425">
+          <a:bodyPr lIns="91425" tIns="91425" rIns="91425" bIns="91425" anchor="t" anchorCtr="0">
             <a:noAutofit/>
           </a:bodyPr>
           <a:lstStyle/>
@@ -713,12 +840,12 @@
 </p:notes>
 </file>
 
-<file path=ppt/notesSlides/notesSlide3.xml><?xml version="1.0" encoding="utf-8"?>
-<p:notes xmlns:a="http://schemas.openxmlformats.org/drawingml/2006/main" xmlns:r="http://schemas.openxmlformats.org/officeDocument/2006/relationships" xmlns:mc="http://schemas.openxmlformats.org/markup-compatibility/2006" xmlns:mv="urn:schemas-microsoft-com:mac:vml" xmlns:p="http://schemas.openxmlformats.org/presentationml/2006/main" xmlns:c="http://schemas.openxmlformats.org/drawingml/2006/chart" xmlns:dgm="http://schemas.openxmlformats.org/drawingml/2006/diagram" xmlns:o="urn:schemas-microsoft-com:office:office" xmlns:v="urn:schemas-microsoft-com:vml" xmlns:pvml="urn:schemas-microsoft-com:office:powerpoint" xmlns:com="http://schemas.openxmlformats.org/drawingml/2006/compatibility" xmlns:p14="http://schemas.microsoft.com/office/powerpoint/2010/main" showMasterPhAnim="0" showMasterSp="0">
+<file path=ppt/notesSlides/notesSlide4.xml><?xml version="1.0" encoding="utf-8"?>
+<p:notes xmlns:a="http://schemas.openxmlformats.org/drawingml/2006/main" xmlns:r="http://schemas.openxmlformats.org/officeDocument/2006/relationships" xmlns:p="http://schemas.openxmlformats.org/presentationml/2006/main" showMasterSp="0" showMasterPhAnim="0">
   <p:cSld>
     <p:spTree>
       <p:nvGrpSpPr>
-        <p:cNvPr id="78" name="Shape 78"/>
+        <p:cNvPr id="1" name="Shape 78"/>
         <p:cNvGrpSpPr/>
         <p:nvPr/>
       </p:nvGrpSpPr>
@@ -733,9 +860,11 @@
       <p:sp>
         <p:nvSpPr>
           <p:cNvPr id="79" name="Shape 79"/>
-          <p:cNvSpPr/>
+          <p:cNvSpPr>
+            <a:spLocks noGrp="1" noRot="1" noChangeAspect="1"/>
+          </p:cNvSpPr>
           <p:nvPr>
-            <p:ph idx="2" type="sldImg"/>
+            <p:ph type="sldImg" idx="2"/>
           </p:nvPr>
         </p:nvSpPr>
         <p:spPr>
@@ -744,8 +873,13 @@
             <a:ext cx="6096000" cy="3429000"/>
           </a:xfrm>
           <a:custGeom>
+            <a:avLst/>
+            <a:gdLst/>
+            <a:ahLst/>
+            <a:cxnLst/>
+            <a:rect l="0" t="0" r="0" b="0"/>
             <a:pathLst>
-              <a:path extrusionOk="0" h="120000" w="120000">
+              <a:path w="120000" h="120000" extrusionOk="0">
                 <a:moveTo>
                   <a:pt x="0" y="0"/>
                 </a:moveTo>
@@ -767,9 +901,11 @@
       <p:sp>
         <p:nvSpPr>
           <p:cNvPr id="80" name="Shape 80"/>
-          <p:cNvSpPr txBox="1"/>
+          <p:cNvSpPr txBox="1">
+            <a:spLocks noGrp="1"/>
+          </p:cNvSpPr>
           <p:nvPr>
-            <p:ph idx="1" type="body"/>
+            <p:ph type="body" idx="1"/>
           </p:nvPr>
         </p:nvSpPr>
         <p:spPr>
@@ -782,7 +918,7 @@
           </a:prstGeom>
         </p:spPr>
         <p:txBody>
-          <a:bodyPr anchorCtr="0" anchor="t" bIns="91425" lIns="91425" rIns="91425" tIns="91425">
+          <a:bodyPr lIns="91425" tIns="91425" rIns="91425" bIns="91425" anchor="t" anchorCtr="0">
             <a:noAutofit/>
           </a:bodyPr>
           <a:lstStyle/>
@@ -844,12 +980,12 @@
 </p:notes>
 </file>
 
-<file path=ppt/notesSlides/notesSlide4.xml><?xml version="1.0" encoding="utf-8"?>
-<p:notes xmlns:a="http://schemas.openxmlformats.org/drawingml/2006/main" xmlns:r="http://schemas.openxmlformats.org/officeDocument/2006/relationships" xmlns:mc="http://schemas.openxmlformats.org/markup-compatibility/2006" xmlns:mv="urn:schemas-microsoft-com:mac:vml" xmlns:p="http://schemas.openxmlformats.org/presentationml/2006/main" xmlns:c="http://schemas.openxmlformats.org/drawingml/2006/chart" xmlns:dgm="http://schemas.openxmlformats.org/drawingml/2006/diagram" xmlns:o="urn:schemas-microsoft-com:office:office" xmlns:v="urn:schemas-microsoft-com:vml" xmlns:pvml="urn:schemas-microsoft-com:office:powerpoint" xmlns:com="http://schemas.openxmlformats.org/drawingml/2006/compatibility" xmlns:p14="http://schemas.microsoft.com/office/powerpoint/2010/main" showMasterPhAnim="0" showMasterSp="0">
+<file path=ppt/notesSlides/notesSlide5.xml><?xml version="1.0" encoding="utf-8"?>
+<p:notes xmlns:a="http://schemas.openxmlformats.org/drawingml/2006/main" xmlns:r="http://schemas.openxmlformats.org/officeDocument/2006/relationships" xmlns:p="http://schemas.openxmlformats.org/presentationml/2006/main" showMasterSp="0" showMasterPhAnim="0">
   <p:cSld>
     <p:spTree>
       <p:nvGrpSpPr>
-        <p:cNvPr id="83" name="Shape 83"/>
+        <p:cNvPr id="1" name="Shape 83"/>
         <p:cNvGrpSpPr/>
         <p:nvPr/>
       </p:nvGrpSpPr>
@@ -864,19 +1000,26 @@
       <p:sp>
         <p:nvSpPr>
           <p:cNvPr id="84" name="Shape 84"/>
-          <p:cNvSpPr/>
+          <p:cNvSpPr>
+            <a:spLocks noGrp="1" noRot="1" noChangeAspect="1"/>
+          </p:cNvSpPr>
           <p:nvPr>
-            <p:ph idx="2" type="sldImg"/>
+            <p:ph type="sldImg" idx="2"/>
           </p:nvPr>
         </p:nvSpPr>
         <p:spPr>
           <a:xfrm>
-            <a:off x="381300" y="685800"/>
+            <a:off x="381000" y="685800"/>
             <a:ext cx="6096000" cy="3429000"/>
           </a:xfrm>
           <a:custGeom>
+            <a:avLst/>
+            <a:gdLst/>
+            <a:ahLst/>
+            <a:cxnLst/>
+            <a:rect l="0" t="0" r="0" b="0"/>
             <a:pathLst>
-              <a:path extrusionOk="0" h="120000" w="120000">
+              <a:path w="120000" h="120000" extrusionOk="0">
                 <a:moveTo>
                   <a:pt x="0" y="0"/>
                 </a:moveTo>
@@ -898,9 +1041,11 @@
       <p:sp>
         <p:nvSpPr>
           <p:cNvPr id="85" name="Shape 85"/>
-          <p:cNvSpPr txBox="1"/>
+          <p:cNvSpPr txBox="1">
+            <a:spLocks noGrp="1"/>
+          </p:cNvSpPr>
           <p:nvPr>
-            <p:ph idx="1" type="body"/>
+            <p:ph type="body" idx="1"/>
           </p:nvPr>
         </p:nvSpPr>
         <p:spPr>
@@ -913,7 +1058,7 @@
           </a:prstGeom>
         </p:spPr>
         <p:txBody>
-          <a:bodyPr anchorCtr="0" anchor="t" bIns="91425" lIns="91425" rIns="91425" tIns="91425">
+          <a:bodyPr lIns="91425" tIns="91425" rIns="91425" bIns="91425" anchor="t" anchorCtr="0">
             <a:noAutofit/>
           </a:bodyPr>
           <a:lstStyle/>
@@ -924,9 +1069,6 @@
               </a:spcBef>
               <a:buNone/>
             </a:pPr>
-            <a:r>
-              <a:t/>
-            </a:r>
             <a:endParaRPr/>
           </a:p>
         </p:txBody>
@@ -939,12 +1081,12 @@
 </p:notes>
 </file>
 
-<file path=ppt/notesSlides/notesSlide5.xml><?xml version="1.0" encoding="utf-8"?>
-<p:notes xmlns:a="http://schemas.openxmlformats.org/drawingml/2006/main" xmlns:r="http://schemas.openxmlformats.org/officeDocument/2006/relationships" xmlns:mc="http://schemas.openxmlformats.org/markup-compatibility/2006" xmlns:mv="urn:schemas-microsoft-com:mac:vml" xmlns:p="http://schemas.openxmlformats.org/presentationml/2006/main" xmlns:c="http://schemas.openxmlformats.org/drawingml/2006/chart" xmlns:dgm="http://schemas.openxmlformats.org/drawingml/2006/diagram" xmlns:o="urn:schemas-microsoft-com:office:office" xmlns:v="urn:schemas-microsoft-com:vml" xmlns:pvml="urn:schemas-microsoft-com:office:powerpoint" xmlns:com="http://schemas.openxmlformats.org/drawingml/2006/compatibility" xmlns:p14="http://schemas.microsoft.com/office/powerpoint/2010/main" showMasterPhAnim="0" showMasterSp="0">
+<file path=ppt/notesSlides/notesSlide6.xml><?xml version="1.0" encoding="utf-8"?>
+<p:notes xmlns:a="http://schemas.openxmlformats.org/drawingml/2006/main" xmlns:r="http://schemas.openxmlformats.org/officeDocument/2006/relationships" xmlns:p="http://schemas.openxmlformats.org/presentationml/2006/main" showMasterSp="0" showMasterPhAnim="0">
   <p:cSld>
     <p:spTree>
       <p:nvGrpSpPr>
-        <p:cNvPr id="89" name="Shape 89"/>
+        <p:cNvPr id="1" name="Shape 96"/>
         <p:cNvGrpSpPr/>
         <p:nvPr/>
       </p:nvGrpSpPr>
@@ -958,20 +1100,27 @@
       </p:grpSpPr>
       <p:sp>
         <p:nvSpPr>
-          <p:cNvPr id="90" name="Shape 90"/>
-          <p:cNvSpPr/>
+          <p:cNvPr id="97" name="Shape 97"/>
+          <p:cNvSpPr>
+            <a:spLocks noGrp="1" noRot="1" noChangeAspect="1"/>
+          </p:cNvSpPr>
           <p:nvPr>
-            <p:ph idx="2" type="sldImg"/>
+            <p:ph type="sldImg" idx="2"/>
           </p:nvPr>
         </p:nvSpPr>
         <p:spPr>
           <a:xfrm>
-            <a:off x="381300" y="685800"/>
+            <a:off x="381000" y="685800"/>
             <a:ext cx="6096000" cy="3429000"/>
           </a:xfrm>
           <a:custGeom>
+            <a:avLst/>
+            <a:gdLst/>
+            <a:ahLst/>
+            <a:cxnLst/>
+            <a:rect l="0" t="0" r="0" b="0"/>
             <a:pathLst>
-              <a:path extrusionOk="0" h="120000" w="120000">
+              <a:path w="120000" h="120000" extrusionOk="0">
                 <a:moveTo>
                   <a:pt x="0" y="0"/>
                 </a:moveTo>
@@ -992,10 +1141,12 @@
       </p:sp>
       <p:sp>
         <p:nvSpPr>
-          <p:cNvPr id="91" name="Shape 91"/>
-          <p:cNvSpPr txBox="1"/>
+          <p:cNvPr id="98" name="Shape 98"/>
+          <p:cNvSpPr txBox="1">
+            <a:spLocks noGrp="1"/>
+          </p:cNvSpPr>
           <p:nvPr>
-            <p:ph idx="1" type="body"/>
+            <p:ph type="body" idx="1"/>
           </p:nvPr>
         </p:nvSpPr>
         <p:spPr>
@@ -1008,7 +1159,7 @@
           </a:prstGeom>
         </p:spPr>
         <p:txBody>
-          <a:bodyPr anchorCtr="0" anchor="t" bIns="91425" lIns="91425" rIns="91425" tIns="91425">
+          <a:bodyPr lIns="91425" tIns="91425" rIns="91425" bIns="91425" anchor="t" anchorCtr="0">
             <a:noAutofit/>
           </a:bodyPr>
           <a:lstStyle/>
@@ -1019,9 +1170,6 @@
               </a:spcBef>
               <a:buNone/>
             </a:pPr>
-            <a:r>
-              <a:t/>
-            </a:r>
             <a:endParaRPr/>
           </a:p>
         </p:txBody>
@@ -1034,12 +1182,12 @@
 </p:notes>
 </file>
 
-<file path=ppt/notesSlides/notesSlide6.xml><?xml version="1.0" encoding="utf-8"?>
-<p:notes xmlns:a="http://schemas.openxmlformats.org/drawingml/2006/main" xmlns:r="http://schemas.openxmlformats.org/officeDocument/2006/relationships" xmlns:mc="http://schemas.openxmlformats.org/markup-compatibility/2006" xmlns:mv="urn:schemas-microsoft-com:mac:vml" xmlns:p="http://schemas.openxmlformats.org/presentationml/2006/main" xmlns:c="http://schemas.openxmlformats.org/drawingml/2006/chart" xmlns:dgm="http://schemas.openxmlformats.org/drawingml/2006/diagram" xmlns:o="urn:schemas-microsoft-com:office:office" xmlns:v="urn:schemas-microsoft-com:vml" xmlns:pvml="urn:schemas-microsoft-com:office:powerpoint" xmlns:com="http://schemas.openxmlformats.org/drawingml/2006/compatibility" xmlns:p14="http://schemas.microsoft.com/office/powerpoint/2010/main" showMasterPhAnim="0" showMasterSp="0">
+<file path=ppt/notesSlides/notesSlide7.xml><?xml version="1.0" encoding="utf-8"?>
+<p:notes xmlns:a="http://schemas.openxmlformats.org/drawingml/2006/main" xmlns:r="http://schemas.openxmlformats.org/officeDocument/2006/relationships" xmlns:p="http://schemas.openxmlformats.org/presentationml/2006/main" showMasterSp="0" showMasterPhAnim="0">
   <p:cSld>
     <p:spTree>
       <p:nvGrpSpPr>
-        <p:cNvPr id="96" name="Shape 96"/>
+        <p:cNvPr id="1" name="Shape 89"/>
         <p:cNvGrpSpPr/>
         <p:nvPr/>
       </p:nvGrpSpPr>
@@ -1053,10 +1201,12 @@
       </p:grpSpPr>
       <p:sp>
         <p:nvSpPr>
-          <p:cNvPr id="97" name="Shape 97"/>
-          <p:cNvSpPr/>
+          <p:cNvPr id="90" name="Shape 90"/>
+          <p:cNvSpPr>
+            <a:spLocks noGrp="1" noRot="1" noChangeAspect="1"/>
+          </p:cNvSpPr>
           <p:nvPr>
-            <p:ph idx="2" type="sldImg"/>
+            <p:ph type="sldImg" idx="2"/>
           </p:nvPr>
         </p:nvSpPr>
         <p:spPr>
@@ -1065,8 +1215,13 @@
             <a:ext cx="6096000" cy="3429000"/>
           </a:xfrm>
           <a:custGeom>
+            <a:avLst/>
+            <a:gdLst/>
+            <a:ahLst/>
+            <a:cxnLst/>
+            <a:rect l="0" t="0" r="0" b="0"/>
             <a:pathLst>
-              <a:path extrusionOk="0" h="120000" w="120000">
+              <a:path w="120000" h="120000" extrusionOk="0">
                 <a:moveTo>
                   <a:pt x="0" y="0"/>
                 </a:moveTo>
@@ -1087,10 +1242,12 @@
       </p:sp>
       <p:sp>
         <p:nvSpPr>
-          <p:cNvPr id="98" name="Shape 98"/>
-          <p:cNvSpPr txBox="1"/>
+          <p:cNvPr id="91" name="Shape 91"/>
+          <p:cNvSpPr txBox="1">
+            <a:spLocks noGrp="1"/>
+          </p:cNvSpPr>
           <p:nvPr>
-            <p:ph idx="1" type="body"/>
+            <p:ph type="body" idx="1"/>
           </p:nvPr>
         </p:nvSpPr>
         <p:spPr>
@@ -1103,7 +1260,7 @@
           </a:prstGeom>
         </p:spPr>
         <p:txBody>
-          <a:bodyPr anchorCtr="0" anchor="t" bIns="91425" lIns="91425" rIns="91425" tIns="91425">
+          <a:bodyPr lIns="91425" tIns="91425" rIns="91425" bIns="91425" anchor="t" anchorCtr="0">
             <a:noAutofit/>
           </a:bodyPr>
           <a:lstStyle/>
@@ -1114,9 +1271,6 @@
               </a:spcBef>
               <a:buNone/>
             </a:pPr>
-            <a:r>
-              <a:t/>
-            </a:r>
             <a:endParaRPr/>
           </a:p>
         </p:txBody>
@@ -1129,12 +1283,12 @@
 </p:notes>
 </file>
 
-<file path=ppt/slideLayouts/slideLayout.xml><?xml version="1.0" encoding="utf-8"?>
-<p:sldLayout xmlns:a="http://schemas.openxmlformats.org/drawingml/2006/main" xmlns:r="http://schemas.openxmlformats.org/officeDocument/2006/relationships" xmlns:mc="http://schemas.openxmlformats.org/markup-compatibility/2006" xmlns:mv="urn:schemas-microsoft-com:mac:vml" xmlns:p="http://schemas.openxmlformats.org/presentationml/2006/main" xmlns:c="http://schemas.openxmlformats.org/drawingml/2006/chart" xmlns:dgm="http://schemas.openxmlformats.org/drawingml/2006/diagram" xmlns:o="urn:schemas-microsoft-com:office:office" xmlns:v="urn:schemas-microsoft-com:vml" xmlns:pvml="urn:schemas-microsoft-com:office:powerpoint" xmlns:com="http://schemas.openxmlformats.org/drawingml/2006/compatibility" xmlns:p14="http://schemas.microsoft.com/office/powerpoint/2010/main" type="title">
+<file path=ppt/slideLayouts/slideLayout1.xml><?xml version="1.0" encoding="utf-8"?>
+<p:sldLayout xmlns:a="http://schemas.openxmlformats.org/drawingml/2006/main" xmlns:r="http://schemas.openxmlformats.org/officeDocument/2006/relationships" xmlns:p="http://schemas.openxmlformats.org/presentationml/2006/main" type="title">
   <p:cSld name="Title slide">
     <p:spTree>
       <p:nvGrpSpPr>
-        <p:cNvPr id="9" name="Shape 9"/>
+        <p:cNvPr id="1" name="Shape 9"/>
         <p:cNvGrpSpPr/>
         <p:nvPr/>
       </p:nvGrpSpPr>
@@ -1182,7 +1336,7 @@
             </a:ln>
           </p:spPr>
           <p:txBody>
-            <a:bodyPr anchorCtr="0" anchor="ctr" bIns="91425" lIns="91425" rIns="91425" tIns="91425">
+            <a:bodyPr lIns="91425" tIns="91425" rIns="91425" bIns="91425" anchor="ctr" anchorCtr="0">
               <a:noAutofit/>
             </a:bodyPr>
             <a:lstStyle/>
@@ -1193,9 +1347,6 @@
                 </a:spcBef>
                 <a:buNone/>
               </a:pPr>
-              <a:r>
-                <a:t/>
-              </a:r>
               <a:endParaRPr/>
             </a:p>
           </p:txBody>
@@ -1222,7 +1373,7 @@
             </a:ln>
           </p:spPr>
           <p:txBody>
-            <a:bodyPr anchorCtr="0" anchor="ctr" bIns="91425" lIns="91425" rIns="91425" tIns="91425">
+            <a:bodyPr lIns="91425" tIns="91425" rIns="91425" bIns="91425" anchor="ctr" anchorCtr="0">
               <a:noAutofit/>
             </a:bodyPr>
             <a:lstStyle/>
@@ -1233,9 +1384,6 @@
                 </a:spcBef>
                 <a:buNone/>
               </a:pPr>
-              <a:r>
-                <a:t/>
-              </a:r>
               <a:endParaRPr/>
             </a:p>
           </p:txBody>
@@ -1262,7 +1410,7 @@
             </a:ln>
           </p:spPr>
           <p:txBody>
-            <a:bodyPr anchorCtr="0" anchor="ctr" bIns="91425" lIns="91425" rIns="91425" tIns="91425">
+            <a:bodyPr lIns="91425" tIns="91425" rIns="91425" bIns="91425" anchor="ctr" anchorCtr="0">
               <a:noAutofit/>
             </a:bodyPr>
             <a:lstStyle/>
@@ -1273,9 +1421,6 @@
                 </a:spcBef>
                 <a:buNone/>
               </a:pPr>
-              <a:r>
-                <a:t/>
-              </a:r>
               <a:endParaRPr/>
             </a:p>
           </p:txBody>
@@ -1284,7 +1429,9 @@
       <p:sp>
         <p:nvSpPr>
           <p:cNvPr id="14" name="Shape 14"/>
-          <p:cNvSpPr txBox="1"/>
+          <p:cNvSpPr txBox="1">
+            <a:spLocks noGrp="1"/>
+          </p:cNvSpPr>
           <p:nvPr>
             <p:ph type="ctrTitle"/>
           </p:nvPr>
@@ -1299,7 +1446,7 @@
           </a:prstGeom>
         </p:spPr>
         <p:txBody>
-          <a:bodyPr anchorCtr="0" anchor="b" bIns="91425" lIns="91425" rIns="91425" tIns="91425"/>
+          <a:bodyPr lIns="91425" tIns="91425" rIns="91425" bIns="91425" anchor="b" anchorCtr="0"/>
           <a:lstStyle>
             <a:lvl1pPr lvl="0" algn="ctr">
               <a:spcBef>
@@ -1365,15 +1512,19 @@
               <a:defRPr sz="4800"/>
             </a:lvl9pPr>
           </a:lstStyle>
-          <a:p/>
+          <a:p>
+            <a:endParaRPr/>
+          </a:p>
         </p:txBody>
       </p:sp>
       <p:sp>
         <p:nvSpPr>
           <p:cNvPr id="15" name="Shape 15"/>
-          <p:cNvSpPr txBox="1"/>
+          <p:cNvSpPr txBox="1">
+            <a:spLocks noGrp="1"/>
+          </p:cNvSpPr>
           <p:nvPr>
-            <p:ph idx="1" type="subTitle"/>
+            <p:ph type="subTitle" idx="1"/>
           </p:nvPr>
         </p:nvSpPr>
         <p:spPr>
@@ -1386,7 +1537,7 @@
           </a:prstGeom>
         </p:spPr>
         <p:txBody>
-          <a:bodyPr anchorCtr="0" anchor="t" bIns="91425" lIns="91425" rIns="91425" tIns="91425"/>
+          <a:bodyPr lIns="91425" tIns="91425" rIns="91425" bIns="91425" anchor="t" anchorCtr="0"/>
           <a:lstStyle>
             <a:lvl1pPr lvl="0" algn="ctr">
               <a:lnSpc>
@@ -1515,15 +1666,19 @@
               <a:defRPr sz="2100"/>
             </a:lvl9pPr>
           </a:lstStyle>
-          <a:p/>
+          <a:p>
+            <a:endParaRPr/>
+          </a:p>
         </p:txBody>
       </p:sp>
       <p:sp>
         <p:nvSpPr>
           <p:cNvPr id="16" name="Shape 16"/>
-          <p:cNvSpPr txBox="1"/>
+          <p:cNvSpPr txBox="1">
+            <a:spLocks noGrp="1"/>
+          </p:cNvSpPr>
           <p:nvPr>
-            <p:ph idx="12" type="sldNum"/>
+            <p:ph type="sldNum" idx="12"/>
           </p:nvPr>
         </p:nvSpPr>
         <p:spPr>
@@ -1536,7 +1691,7 @@
           </a:prstGeom>
         </p:spPr>
         <p:txBody>
-          <a:bodyPr anchorCtr="0" anchor="ctr" bIns="91425" lIns="91425" rIns="91425" tIns="91425">
+          <a:bodyPr lIns="91425" tIns="91425" rIns="91425" bIns="91425" anchor="ctr" anchorCtr="0">
             <a:noAutofit/>
           </a:bodyPr>
           <a:lstStyle/>
@@ -1551,6 +1706,7 @@
               <a:rPr lang="en"/>
               <a:t>‹#›</a:t>
             </a:fld>
+            <a:endParaRPr lang="en"/>
           </a:p>
         </p:txBody>
       </p:sp>
@@ -1562,12 +1718,313 @@
 </p:sldLayout>
 </file>
 
-<file path=ppt/slideLayouts/slideLayout1.xml><?xml version="1.0" encoding="utf-8"?>
-<p:sldLayout xmlns:a="http://schemas.openxmlformats.org/drawingml/2006/main" xmlns:r="http://schemas.openxmlformats.org/officeDocument/2006/relationships" xmlns:mc="http://schemas.openxmlformats.org/markup-compatibility/2006" xmlns:mv="urn:schemas-microsoft-com:mac:vml" xmlns:p="http://schemas.openxmlformats.org/presentationml/2006/main" xmlns:c="http://schemas.openxmlformats.org/drawingml/2006/chart" xmlns:dgm="http://schemas.openxmlformats.org/drawingml/2006/diagram" xmlns:o="urn:schemas-microsoft-com:office:office" xmlns:v="urn:schemas-microsoft-com:vml" xmlns:pvml="urn:schemas-microsoft-com:office:powerpoint" xmlns:com="http://schemas.openxmlformats.org/drawingml/2006/compatibility" xmlns:p14="http://schemas.microsoft.com/office/powerpoint/2010/main" type="secHead">
+<file path=ppt/slideLayouts/slideLayout10.xml><?xml version="1.0" encoding="utf-8"?>
+<p:sldLayout xmlns:a="http://schemas.openxmlformats.org/drawingml/2006/main" xmlns:r="http://schemas.openxmlformats.org/officeDocument/2006/relationships" xmlns:p="http://schemas.openxmlformats.org/presentationml/2006/main">
+  <p:cSld name="Big number">
+    <p:spTree>
+      <p:nvGrpSpPr>
+        <p:cNvPr id="1" name="Shape 49"/>
+        <p:cNvGrpSpPr/>
+        <p:nvPr/>
+      </p:nvGrpSpPr>
+      <p:grpSpPr>
+        <a:xfrm>
+          <a:off x="0" y="0"/>
+          <a:ext cx="0" cy="0"/>
+          <a:chOff x="0" y="0"/>
+          <a:chExt cx="0" cy="0"/>
+        </a:xfrm>
+      </p:grpSpPr>
+      <p:sp>
+        <p:nvSpPr>
+          <p:cNvPr id="50" name="Shape 50"/>
+          <p:cNvSpPr txBox="1">
+            <a:spLocks noGrp="1"/>
+          </p:cNvSpPr>
+          <p:nvPr>
+            <p:ph type="title"/>
+          </p:nvPr>
+        </p:nvSpPr>
+        <p:spPr>
+          <a:xfrm>
+            <a:off x="311700" y="1255275"/>
+            <a:ext cx="8520599" cy="1890600"/>
+          </a:xfrm>
+          <a:prstGeom prst="rect">
+            <a:avLst/>
+          </a:prstGeom>
+        </p:spPr>
+        <p:txBody>
+          <a:bodyPr lIns="91425" tIns="91425" rIns="91425" bIns="91425" anchor="b" anchorCtr="0"/>
+          <a:lstStyle>
+            <a:lvl1pPr lvl="0" algn="ctr">
+              <a:spcBef>
+                <a:spcPts val="0"/>
+              </a:spcBef>
+              <a:buSzPct val="100000"/>
+              <a:defRPr sz="12000"/>
+            </a:lvl1pPr>
+            <a:lvl2pPr lvl="1" algn="ctr">
+              <a:spcBef>
+                <a:spcPts val="0"/>
+              </a:spcBef>
+              <a:buSzPct val="100000"/>
+              <a:defRPr sz="12000"/>
+            </a:lvl2pPr>
+            <a:lvl3pPr lvl="2" algn="ctr">
+              <a:spcBef>
+                <a:spcPts val="0"/>
+              </a:spcBef>
+              <a:buSzPct val="100000"/>
+              <a:defRPr sz="12000"/>
+            </a:lvl3pPr>
+            <a:lvl4pPr lvl="3" algn="ctr">
+              <a:spcBef>
+                <a:spcPts val="0"/>
+              </a:spcBef>
+              <a:buSzPct val="100000"/>
+              <a:defRPr sz="12000"/>
+            </a:lvl4pPr>
+            <a:lvl5pPr lvl="4" algn="ctr">
+              <a:spcBef>
+                <a:spcPts val="0"/>
+              </a:spcBef>
+              <a:buSzPct val="100000"/>
+              <a:defRPr sz="12000"/>
+            </a:lvl5pPr>
+            <a:lvl6pPr lvl="5" algn="ctr">
+              <a:spcBef>
+                <a:spcPts val="0"/>
+              </a:spcBef>
+              <a:buSzPct val="100000"/>
+              <a:defRPr sz="12000"/>
+            </a:lvl6pPr>
+            <a:lvl7pPr lvl="6" algn="ctr">
+              <a:spcBef>
+                <a:spcPts val="0"/>
+              </a:spcBef>
+              <a:buSzPct val="100000"/>
+              <a:defRPr sz="12000"/>
+            </a:lvl7pPr>
+            <a:lvl8pPr lvl="7" algn="ctr">
+              <a:spcBef>
+                <a:spcPts val="0"/>
+              </a:spcBef>
+              <a:buSzPct val="100000"/>
+              <a:defRPr sz="12000"/>
+            </a:lvl8pPr>
+            <a:lvl9pPr lvl="8" algn="ctr">
+              <a:spcBef>
+                <a:spcPts val="0"/>
+              </a:spcBef>
+              <a:buSzPct val="100000"/>
+              <a:defRPr sz="12000"/>
+            </a:lvl9pPr>
+          </a:lstStyle>
+          <a:p>
+            <a:endParaRPr/>
+          </a:p>
+        </p:txBody>
+      </p:sp>
+      <p:sp>
+        <p:nvSpPr>
+          <p:cNvPr id="51" name="Shape 51"/>
+          <p:cNvSpPr txBox="1">
+            <a:spLocks noGrp="1"/>
+          </p:cNvSpPr>
+          <p:nvPr>
+            <p:ph type="body" idx="1"/>
+          </p:nvPr>
+        </p:nvSpPr>
+        <p:spPr>
+          <a:xfrm>
+            <a:off x="311700" y="3228425"/>
+            <a:ext cx="8520599" cy="1300800"/>
+          </a:xfrm>
+          <a:prstGeom prst="rect">
+            <a:avLst/>
+          </a:prstGeom>
+        </p:spPr>
+        <p:txBody>
+          <a:bodyPr lIns="91425" tIns="91425" rIns="91425" bIns="91425" anchor="t" anchorCtr="0"/>
+          <a:lstStyle>
+            <a:lvl1pPr lvl="0" algn="ctr">
+              <a:spcBef>
+                <a:spcPts val="0"/>
+              </a:spcBef>
+              <a:defRPr/>
+            </a:lvl1pPr>
+            <a:lvl2pPr lvl="1" algn="ctr">
+              <a:spcBef>
+                <a:spcPts val="0"/>
+              </a:spcBef>
+              <a:defRPr/>
+            </a:lvl2pPr>
+            <a:lvl3pPr lvl="2" algn="ctr">
+              <a:spcBef>
+                <a:spcPts val="0"/>
+              </a:spcBef>
+              <a:defRPr/>
+            </a:lvl3pPr>
+            <a:lvl4pPr lvl="3" algn="ctr">
+              <a:spcBef>
+                <a:spcPts val="0"/>
+              </a:spcBef>
+              <a:defRPr/>
+            </a:lvl4pPr>
+            <a:lvl5pPr lvl="4" algn="ctr">
+              <a:spcBef>
+                <a:spcPts val="0"/>
+              </a:spcBef>
+              <a:defRPr/>
+            </a:lvl5pPr>
+            <a:lvl6pPr lvl="5" algn="ctr">
+              <a:spcBef>
+                <a:spcPts val="0"/>
+              </a:spcBef>
+              <a:defRPr/>
+            </a:lvl6pPr>
+            <a:lvl7pPr lvl="6" algn="ctr">
+              <a:spcBef>
+                <a:spcPts val="0"/>
+              </a:spcBef>
+              <a:defRPr/>
+            </a:lvl7pPr>
+            <a:lvl8pPr lvl="7" algn="ctr">
+              <a:spcBef>
+                <a:spcPts val="0"/>
+              </a:spcBef>
+              <a:defRPr/>
+            </a:lvl8pPr>
+            <a:lvl9pPr lvl="8" algn="ctr">
+              <a:spcBef>
+                <a:spcPts val="0"/>
+              </a:spcBef>
+              <a:defRPr/>
+            </a:lvl9pPr>
+          </a:lstStyle>
+          <a:p>
+            <a:endParaRPr/>
+          </a:p>
+        </p:txBody>
+      </p:sp>
+      <p:sp>
+        <p:nvSpPr>
+          <p:cNvPr id="52" name="Shape 52"/>
+          <p:cNvSpPr txBox="1">
+            <a:spLocks noGrp="1"/>
+          </p:cNvSpPr>
+          <p:nvPr>
+            <p:ph type="sldNum" idx="12"/>
+          </p:nvPr>
+        </p:nvSpPr>
+        <p:spPr>
+          <a:xfrm>
+            <a:off x="8490250" y="4681009"/>
+            <a:ext cx="548699" cy="393600"/>
+          </a:xfrm>
+          <a:prstGeom prst="rect">
+            <a:avLst/>
+          </a:prstGeom>
+        </p:spPr>
+        <p:txBody>
+          <a:bodyPr lIns="91425" tIns="91425" rIns="91425" bIns="91425" anchor="ctr" anchorCtr="0">
+            <a:noAutofit/>
+          </a:bodyPr>
+          <a:lstStyle/>
+          <a:p>
+            <a:pPr lvl="0">
+              <a:spcBef>
+                <a:spcPts val="0"/>
+              </a:spcBef>
+              <a:buNone/>
+            </a:pPr>
+            <a:fld id="{00000000-1234-1234-1234-123412341234}" type="slidenum">
+              <a:rPr lang="en"/>
+              <a:t>‹#›</a:t>
+            </a:fld>
+            <a:endParaRPr lang="en"/>
+          </a:p>
+        </p:txBody>
+      </p:sp>
+    </p:spTree>
+  </p:cSld>
+  <p:clrMapOvr>
+    <a:masterClrMapping/>
+  </p:clrMapOvr>
+</p:sldLayout>
+</file>
+
+<file path=ppt/slideLayouts/slideLayout11.xml><?xml version="1.0" encoding="utf-8"?>
+<p:sldLayout xmlns:a="http://schemas.openxmlformats.org/drawingml/2006/main" xmlns:r="http://schemas.openxmlformats.org/officeDocument/2006/relationships" xmlns:p="http://schemas.openxmlformats.org/presentationml/2006/main" type="blank">
+  <p:cSld name="Blank">
+    <p:spTree>
+      <p:nvGrpSpPr>
+        <p:cNvPr id="1" name="Shape 53"/>
+        <p:cNvGrpSpPr/>
+        <p:nvPr/>
+      </p:nvGrpSpPr>
+      <p:grpSpPr>
+        <a:xfrm>
+          <a:off x="0" y="0"/>
+          <a:ext cx="0" cy="0"/>
+          <a:chOff x="0" y="0"/>
+          <a:chExt cx="0" cy="0"/>
+        </a:xfrm>
+      </p:grpSpPr>
+      <p:sp>
+        <p:nvSpPr>
+          <p:cNvPr id="54" name="Shape 54"/>
+          <p:cNvSpPr txBox="1">
+            <a:spLocks noGrp="1"/>
+          </p:cNvSpPr>
+          <p:nvPr>
+            <p:ph type="sldNum" idx="12"/>
+          </p:nvPr>
+        </p:nvSpPr>
+        <p:spPr>
+          <a:xfrm>
+            <a:off x="8490250" y="4681009"/>
+            <a:ext cx="548699" cy="393600"/>
+          </a:xfrm>
+          <a:prstGeom prst="rect">
+            <a:avLst/>
+          </a:prstGeom>
+        </p:spPr>
+        <p:txBody>
+          <a:bodyPr lIns="91425" tIns="91425" rIns="91425" bIns="91425" anchor="ctr" anchorCtr="0">
+            <a:noAutofit/>
+          </a:bodyPr>
+          <a:lstStyle/>
+          <a:p>
+            <a:pPr lvl="0">
+              <a:spcBef>
+                <a:spcPts val="0"/>
+              </a:spcBef>
+              <a:buNone/>
+            </a:pPr>
+            <a:fld id="{00000000-1234-1234-1234-123412341234}" type="slidenum">
+              <a:rPr lang="en"/>
+              <a:t>‹#›</a:t>
+            </a:fld>
+            <a:endParaRPr lang="en"/>
+          </a:p>
+        </p:txBody>
+      </p:sp>
+    </p:spTree>
+  </p:cSld>
+  <p:clrMapOvr>
+    <a:masterClrMapping/>
+  </p:clrMapOvr>
+</p:sldLayout>
+</file>
+
+<file path=ppt/slideLayouts/slideLayout2.xml><?xml version="1.0" encoding="utf-8"?>
+<p:sldLayout xmlns:a="http://schemas.openxmlformats.org/drawingml/2006/main" xmlns:r="http://schemas.openxmlformats.org/officeDocument/2006/relationships" xmlns:p="http://schemas.openxmlformats.org/presentationml/2006/main" type="secHead">
   <p:cSld name="Section header">
     <p:spTree>
       <p:nvGrpSpPr>
-        <p:cNvPr id="17" name="Shape 17"/>
+        <p:cNvPr id="1" name="Shape 17"/>
         <p:cNvGrpSpPr/>
         <p:nvPr/>
       </p:nvGrpSpPr>
@@ -1582,7 +2039,9 @@
       <p:sp>
         <p:nvSpPr>
           <p:cNvPr id="18" name="Shape 18"/>
-          <p:cNvSpPr txBox="1"/>
+          <p:cNvSpPr txBox="1">
+            <a:spLocks noGrp="1"/>
+          </p:cNvSpPr>
           <p:nvPr>
             <p:ph type="title"/>
           </p:nvPr>
@@ -1597,7 +2056,7 @@
           </a:prstGeom>
         </p:spPr>
         <p:txBody>
-          <a:bodyPr anchorCtr="0" anchor="ctr" bIns="91425" lIns="91425" rIns="91425" tIns="91425"/>
+          <a:bodyPr lIns="91425" tIns="91425" rIns="91425" bIns="91425" anchor="ctr" anchorCtr="0"/>
           <a:lstStyle>
             <a:lvl1pPr lvl="0" algn="ctr">
               <a:spcBef>
@@ -1663,15 +2122,19 @@
               <a:defRPr sz="3600"/>
             </a:lvl9pPr>
           </a:lstStyle>
-          <a:p/>
+          <a:p>
+            <a:endParaRPr/>
+          </a:p>
         </p:txBody>
       </p:sp>
       <p:sp>
         <p:nvSpPr>
           <p:cNvPr id="19" name="Shape 19"/>
-          <p:cNvSpPr txBox="1"/>
+          <p:cNvSpPr txBox="1">
+            <a:spLocks noGrp="1"/>
+          </p:cNvSpPr>
           <p:nvPr>
-            <p:ph idx="12" type="sldNum"/>
+            <p:ph type="sldNum" idx="12"/>
           </p:nvPr>
         </p:nvSpPr>
         <p:spPr>
@@ -1684,7 +2147,7 @@
           </a:prstGeom>
         </p:spPr>
         <p:txBody>
-          <a:bodyPr anchorCtr="0" anchor="ctr" bIns="91425" lIns="91425" rIns="91425" tIns="91425">
+          <a:bodyPr lIns="91425" tIns="91425" rIns="91425" bIns="91425" anchor="ctr" anchorCtr="0">
             <a:noAutofit/>
           </a:bodyPr>
           <a:lstStyle/>
@@ -1699,6 +2162,7 @@
               <a:rPr lang="en"/>
               <a:t>‹#›</a:t>
             </a:fld>
+            <a:endParaRPr lang="en"/>
           </a:p>
         </p:txBody>
       </p:sp>
@@ -1710,73 +2174,12 @@
 </p:sldLayout>
 </file>
 
-<file path=ppt/slideLayouts/slideLayout10.xml><?xml version="1.0" encoding="utf-8"?>
-<p:sldLayout xmlns:a="http://schemas.openxmlformats.org/drawingml/2006/main" xmlns:r="http://schemas.openxmlformats.org/officeDocument/2006/relationships" xmlns:mc="http://schemas.openxmlformats.org/markup-compatibility/2006" xmlns:mv="urn:schemas-microsoft-com:mac:vml" xmlns:p="http://schemas.openxmlformats.org/presentationml/2006/main" xmlns:c="http://schemas.openxmlformats.org/drawingml/2006/chart" xmlns:dgm="http://schemas.openxmlformats.org/drawingml/2006/diagram" xmlns:o="urn:schemas-microsoft-com:office:office" xmlns:v="urn:schemas-microsoft-com:vml" xmlns:pvml="urn:schemas-microsoft-com:office:powerpoint" xmlns:com="http://schemas.openxmlformats.org/drawingml/2006/compatibility" xmlns:p14="http://schemas.microsoft.com/office/powerpoint/2010/main" type="blank">
-  <p:cSld name="Blank">
-    <p:spTree>
-      <p:nvGrpSpPr>
-        <p:cNvPr id="53" name="Shape 53"/>
-        <p:cNvGrpSpPr/>
-        <p:nvPr/>
-      </p:nvGrpSpPr>
-      <p:grpSpPr>
-        <a:xfrm>
-          <a:off x="0" y="0"/>
-          <a:ext cx="0" cy="0"/>
-          <a:chOff x="0" y="0"/>
-          <a:chExt cx="0" cy="0"/>
-        </a:xfrm>
-      </p:grpSpPr>
-      <p:sp>
-        <p:nvSpPr>
-          <p:cNvPr id="54" name="Shape 54"/>
-          <p:cNvSpPr txBox="1"/>
-          <p:nvPr>
-            <p:ph idx="12" type="sldNum"/>
-          </p:nvPr>
-        </p:nvSpPr>
-        <p:spPr>
-          <a:xfrm>
-            <a:off x="8490250" y="4681009"/>
-            <a:ext cx="548699" cy="393600"/>
-          </a:xfrm>
-          <a:prstGeom prst="rect">
-            <a:avLst/>
-          </a:prstGeom>
-        </p:spPr>
-        <p:txBody>
-          <a:bodyPr anchorCtr="0" anchor="ctr" bIns="91425" lIns="91425" rIns="91425" tIns="91425">
-            <a:noAutofit/>
-          </a:bodyPr>
-          <a:lstStyle/>
-          <a:p>
-            <a:pPr lvl="0">
-              <a:spcBef>
-                <a:spcPts val="0"/>
-              </a:spcBef>
-              <a:buNone/>
-            </a:pPr>
-            <a:fld id="{00000000-1234-1234-1234-123412341234}" type="slidenum">
-              <a:rPr lang="en"/>
-              <a:t>‹#›</a:t>
-            </a:fld>
-          </a:p>
-        </p:txBody>
-      </p:sp>
-    </p:spTree>
-  </p:cSld>
-  <p:clrMapOvr>
-    <a:masterClrMapping/>
-  </p:clrMapOvr>
-</p:sldLayout>
-</file>
-
-<file path=ppt/slideLayouts/slideLayout2.xml><?xml version="1.0" encoding="utf-8"?>
-<p:sldLayout xmlns:a="http://schemas.openxmlformats.org/drawingml/2006/main" xmlns:r="http://schemas.openxmlformats.org/officeDocument/2006/relationships" xmlns:mc="http://schemas.openxmlformats.org/markup-compatibility/2006" xmlns:mv="urn:schemas-microsoft-com:mac:vml" xmlns:p="http://schemas.openxmlformats.org/presentationml/2006/main" xmlns:c="http://schemas.openxmlformats.org/drawingml/2006/chart" xmlns:dgm="http://schemas.openxmlformats.org/drawingml/2006/diagram" xmlns:o="urn:schemas-microsoft-com:office:office" xmlns:v="urn:schemas-microsoft-com:vml" xmlns:pvml="urn:schemas-microsoft-com:office:powerpoint" xmlns:com="http://schemas.openxmlformats.org/drawingml/2006/compatibility" xmlns:p14="http://schemas.microsoft.com/office/powerpoint/2010/main" type="tx">
+<file path=ppt/slideLayouts/slideLayout3.xml><?xml version="1.0" encoding="utf-8"?>
+<p:sldLayout xmlns:a="http://schemas.openxmlformats.org/drawingml/2006/main" xmlns:r="http://schemas.openxmlformats.org/officeDocument/2006/relationships" xmlns:p="http://schemas.openxmlformats.org/presentationml/2006/main" type="tx">
   <p:cSld name="Title and body">
     <p:spTree>
       <p:nvGrpSpPr>
-        <p:cNvPr id="20" name="Shape 20"/>
+        <p:cNvPr id="1" name="Shape 20"/>
         <p:cNvGrpSpPr/>
         <p:nvPr/>
       </p:nvGrpSpPr>
@@ -1791,7 +2194,9 @@
       <p:sp>
         <p:nvSpPr>
           <p:cNvPr id="21" name="Shape 21"/>
-          <p:cNvSpPr txBox="1"/>
+          <p:cNvSpPr txBox="1">
+            <a:spLocks noGrp="1"/>
+          </p:cNvSpPr>
           <p:nvPr>
             <p:ph type="title"/>
           </p:nvPr>
@@ -1806,7 +2211,7 @@
           </a:prstGeom>
         </p:spPr>
         <p:txBody>
-          <a:bodyPr anchorCtr="0" anchor="t" bIns="91425" lIns="91425" rIns="91425" tIns="91425"/>
+          <a:bodyPr lIns="91425" tIns="91425" rIns="91425" bIns="91425" anchor="t" anchorCtr="0"/>
           <a:lstStyle>
             <a:lvl1pPr lvl="0">
               <a:spcBef>
@@ -1863,15 +2268,19 @@
               <a:defRPr/>
             </a:lvl9pPr>
           </a:lstStyle>
-          <a:p/>
+          <a:p>
+            <a:endParaRPr/>
+          </a:p>
         </p:txBody>
       </p:sp>
       <p:sp>
         <p:nvSpPr>
           <p:cNvPr id="22" name="Shape 22"/>
-          <p:cNvSpPr txBox="1"/>
+          <p:cNvSpPr txBox="1">
+            <a:spLocks noGrp="1"/>
+          </p:cNvSpPr>
           <p:nvPr>
-            <p:ph idx="1" type="body"/>
+            <p:ph type="body" idx="1"/>
           </p:nvPr>
         </p:nvSpPr>
         <p:spPr>
@@ -1884,7 +2293,7 @@
           </a:prstGeom>
         </p:spPr>
         <p:txBody>
-          <a:bodyPr anchorCtr="0" anchor="t" bIns="91425" lIns="91425" rIns="91425" tIns="91425"/>
+          <a:bodyPr lIns="91425" tIns="91425" rIns="91425" bIns="91425" anchor="t" anchorCtr="0"/>
           <a:lstStyle>
             <a:lvl1pPr lvl="0">
               <a:spcBef>
@@ -1941,15 +2350,19 @@
               <a:defRPr/>
             </a:lvl9pPr>
           </a:lstStyle>
-          <a:p/>
+          <a:p>
+            <a:endParaRPr/>
+          </a:p>
         </p:txBody>
       </p:sp>
       <p:sp>
         <p:nvSpPr>
           <p:cNvPr id="23" name="Shape 23"/>
-          <p:cNvSpPr txBox="1"/>
+          <p:cNvSpPr txBox="1">
+            <a:spLocks noGrp="1"/>
+          </p:cNvSpPr>
           <p:nvPr>
-            <p:ph idx="12" type="sldNum"/>
+            <p:ph type="sldNum" idx="12"/>
           </p:nvPr>
         </p:nvSpPr>
         <p:spPr>
@@ -1962,7 +2375,7 @@
           </a:prstGeom>
         </p:spPr>
         <p:txBody>
-          <a:bodyPr anchorCtr="0" anchor="ctr" bIns="91425" lIns="91425" rIns="91425" tIns="91425">
+          <a:bodyPr lIns="91425" tIns="91425" rIns="91425" bIns="91425" anchor="ctr" anchorCtr="0">
             <a:noAutofit/>
           </a:bodyPr>
           <a:lstStyle/>
@@ -1977,6 +2390,7 @@
               <a:rPr lang="en"/>
               <a:t>‹#›</a:t>
             </a:fld>
+            <a:endParaRPr lang="en"/>
           </a:p>
         </p:txBody>
       </p:sp>
@@ -1988,12 +2402,12 @@
 </p:sldLayout>
 </file>
 
-<file path=ppt/slideLayouts/slideLayout3.xml><?xml version="1.0" encoding="utf-8"?>
-<p:sldLayout xmlns:a="http://schemas.openxmlformats.org/drawingml/2006/main" xmlns:r="http://schemas.openxmlformats.org/officeDocument/2006/relationships" xmlns:mc="http://schemas.openxmlformats.org/markup-compatibility/2006" xmlns:mv="urn:schemas-microsoft-com:mac:vml" xmlns:p="http://schemas.openxmlformats.org/presentationml/2006/main" xmlns:c="http://schemas.openxmlformats.org/drawingml/2006/chart" xmlns:dgm="http://schemas.openxmlformats.org/drawingml/2006/diagram" xmlns:o="urn:schemas-microsoft-com:office:office" xmlns:v="urn:schemas-microsoft-com:vml" xmlns:pvml="urn:schemas-microsoft-com:office:powerpoint" xmlns:com="http://schemas.openxmlformats.org/drawingml/2006/compatibility" xmlns:p14="http://schemas.microsoft.com/office/powerpoint/2010/main" type="twoColTx">
+<file path=ppt/slideLayouts/slideLayout4.xml><?xml version="1.0" encoding="utf-8"?>
+<p:sldLayout xmlns:a="http://schemas.openxmlformats.org/drawingml/2006/main" xmlns:r="http://schemas.openxmlformats.org/officeDocument/2006/relationships" xmlns:p="http://schemas.openxmlformats.org/presentationml/2006/main" type="twoColTx">
   <p:cSld name="Title and two columns">
     <p:spTree>
       <p:nvGrpSpPr>
-        <p:cNvPr id="24" name="Shape 24"/>
+        <p:cNvPr id="1" name="Shape 24"/>
         <p:cNvGrpSpPr/>
         <p:nvPr/>
       </p:nvGrpSpPr>
@@ -2008,7 +2422,9 @@
       <p:sp>
         <p:nvSpPr>
           <p:cNvPr id="25" name="Shape 25"/>
-          <p:cNvSpPr txBox="1"/>
+          <p:cNvSpPr txBox="1">
+            <a:spLocks noGrp="1"/>
+          </p:cNvSpPr>
           <p:nvPr>
             <p:ph type="title"/>
           </p:nvPr>
@@ -2023,7 +2439,7 @@
           </a:prstGeom>
         </p:spPr>
         <p:txBody>
-          <a:bodyPr anchorCtr="0" anchor="t" bIns="91425" lIns="91425" rIns="91425" tIns="91425"/>
+          <a:bodyPr lIns="91425" tIns="91425" rIns="91425" bIns="91425" anchor="t" anchorCtr="0"/>
           <a:lstStyle>
             <a:lvl1pPr lvl="0">
               <a:spcBef>
@@ -2080,15 +2496,19 @@
               <a:defRPr/>
             </a:lvl9pPr>
           </a:lstStyle>
-          <a:p/>
+          <a:p>
+            <a:endParaRPr/>
+          </a:p>
         </p:txBody>
       </p:sp>
       <p:sp>
         <p:nvSpPr>
           <p:cNvPr id="26" name="Shape 26"/>
-          <p:cNvSpPr txBox="1"/>
+          <p:cNvSpPr txBox="1">
+            <a:spLocks noGrp="1"/>
+          </p:cNvSpPr>
           <p:nvPr>
-            <p:ph idx="1" type="body"/>
+            <p:ph type="body" idx="1"/>
           </p:nvPr>
         </p:nvSpPr>
         <p:spPr>
@@ -2101,7 +2521,7 @@
           </a:prstGeom>
         </p:spPr>
         <p:txBody>
-          <a:bodyPr anchorCtr="0" anchor="t" bIns="91425" lIns="91425" rIns="91425" tIns="91425"/>
+          <a:bodyPr lIns="91425" tIns="91425" rIns="91425" bIns="91425" anchor="t" anchorCtr="0"/>
           <a:lstStyle>
             <a:lvl1pPr lvl="0">
               <a:spcBef>
@@ -2167,15 +2587,19 @@
               <a:defRPr sz="1200"/>
             </a:lvl9pPr>
           </a:lstStyle>
-          <a:p/>
+          <a:p>
+            <a:endParaRPr/>
+          </a:p>
         </p:txBody>
       </p:sp>
       <p:sp>
         <p:nvSpPr>
           <p:cNvPr id="27" name="Shape 27"/>
-          <p:cNvSpPr txBox="1"/>
+          <p:cNvSpPr txBox="1">
+            <a:spLocks noGrp="1"/>
+          </p:cNvSpPr>
           <p:nvPr>
-            <p:ph idx="2" type="body"/>
+            <p:ph type="body" idx="2"/>
           </p:nvPr>
         </p:nvSpPr>
         <p:spPr>
@@ -2188,7 +2612,7 @@
           </a:prstGeom>
         </p:spPr>
         <p:txBody>
-          <a:bodyPr anchorCtr="0" anchor="t" bIns="91425" lIns="91425" rIns="91425" tIns="91425"/>
+          <a:bodyPr lIns="91425" tIns="91425" rIns="91425" bIns="91425" anchor="t" anchorCtr="0"/>
           <a:lstStyle>
             <a:lvl1pPr lvl="0">
               <a:spcBef>
@@ -2254,15 +2678,19 @@
               <a:defRPr sz="1200"/>
             </a:lvl9pPr>
           </a:lstStyle>
-          <a:p/>
+          <a:p>
+            <a:endParaRPr/>
+          </a:p>
         </p:txBody>
       </p:sp>
       <p:sp>
         <p:nvSpPr>
           <p:cNvPr id="28" name="Shape 28"/>
-          <p:cNvSpPr txBox="1"/>
+          <p:cNvSpPr txBox="1">
+            <a:spLocks noGrp="1"/>
+          </p:cNvSpPr>
           <p:nvPr>
-            <p:ph idx="12" type="sldNum"/>
+            <p:ph type="sldNum" idx="12"/>
           </p:nvPr>
         </p:nvSpPr>
         <p:spPr>
@@ -2275,7 +2703,7 @@
           </a:prstGeom>
         </p:spPr>
         <p:txBody>
-          <a:bodyPr anchorCtr="0" anchor="ctr" bIns="91425" lIns="91425" rIns="91425" tIns="91425">
+          <a:bodyPr lIns="91425" tIns="91425" rIns="91425" bIns="91425" anchor="ctr" anchorCtr="0">
             <a:noAutofit/>
           </a:bodyPr>
           <a:lstStyle/>
@@ -2290,6 +2718,7 @@
               <a:rPr lang="en"/>
               <a:t>‹#›</a:t>
             </a:fld>
+            <a:endParaRPr lang="en"/>
           </a:p>
         </p:txBody>
       </p:sp>
@@ -2301,12 +2730,12 @@
 </p:sldLayout>
 </file>
 
-<file path=ppt/slideLayouts/slideLayout4.xml><?xml version="1.0" encoding="utf-8"?>
-<p:sldLayout xmlns:a="http://schemas.openxmlformats.org/drawingml/2006/main" xmlns:r="http://schemas.openxmlformats.org/officeDocument/2006/relationships" xmlns:mc="http://schemas.openxmlformats.org/markup-compatibility/2006" xmlns:mv="urn:schemas-microsoft-com:mac:vml" xmlns:p="http://schemas.openxmlformats.org/presentationml/2006/main" xmlns:c="http://schemas.openxmlformats.org/drawingml/2006/chart" xmlns:dgm="http://schemas.openxmlformats.org/drawingml/2006/diagram" xmlns:o="urn:schemas-microsoft-com:office:office" xmlns:v="urn:schemas-microsoft-com:vml" xmlns:pvml="urn:schemas-microsoft-com:office:powerpoint" xmlns:com="http://schemas.openxmlformats.org/drawingml/2006/compatibility" xmlns:p14="http://schemas.microsoft.com/office/powerpoint/2010/main" type="titleOnly">
+<file path=ppt/slideLayouts/slideLayout5.xml><?xml version="1.0" encoding="utf-8"?>
+<p:sldLayout xmlns:a="http://schemas.openxmlformats.org/drawingml/2006/main" xmlns:r="http://schemas.openxmlformats.org/officeDocument/2006/relationships" xmlns:p="http://schemas.openxmlformats.org/presentationml/2006/main" type="titleOnly">
   <p:cSld name="Title only">
     <p:spTree>
       <p:nvGrpSpPr>
-        <p:cNvPr id="29" name="Shape 29"/>
+        <p:cNvPr id="1" name="Shape 29"/>
         <p:cNvGrpSpPr/>
         <p:nvPr/>
       </p:nvGrpSpPr>
@@ -2321,7 +2750,9 @@
       <p:sp>
         <p:nvSpPr>
           <p:cNvPr id="30" name="Shape 30"/>
-          <p:cNvSpPr txBox="1"/>
+          <p:cNvSpPr txBox="1">
+            <a:spLocks noGrp="1"/>
+          </p:cNvSpPr>
           <p:nvPr>
             <p:ph type="title"/>
           </p:nvPr>
@@ -2336,7 +2767,7 @@
           </a:prstGeom>
         </p:spPr>
         <p:txBody>
-          <a:bodyPr anchorCtr="0" anchor="t" bIns="91425" lIns="91425" rIns="91425" tIns="91425"/>
+          <a:bodyPr lIns="91425" tIns="91425" rIns="91425" bIns="91425" anchor="t" anchorCtr="0"/>
           <a:lstStyle>
             <a:lvl1pPr lvl="0">
               <a:spcBef>
@@ -2393,15 +2824,19 @@
               <a:defRPr/>
             </a:lvl9pPr>
           </a:lstStyle>
-          <a:p/>
+          <a:p>
+            <a:endParaRPr/>
+          </a:p>
         </p:txBody>
       </p:sp>
       <p:sp>
         <p:nvSpPr>
           <p:cNvPr id="31" name="Shape 31"/>
-          <p:cNvSpPr txBox="1"/>
+          <p:cNvSpPr txBox="1">
+            <a:spLocks noGrp="1"/>
+          </p:cNvSpPr>
           <p:nvPr>
-            <p:ph idx="12" type="sldNum"/>
+            <p:ph type="sldNum" idx="12"/>
           </p:nvPr>
         </p:nvSpPr>
         <p:spPr>
@@ -2414,7 +2849,7 @@
           </a:prstGeom>
         </p:spPr>
         <p:txBody>
-          <a:bodyPr anchorCtr="0" anchor="ctr" bIns="91425" lIns="91425" rIns="91425" tIns="91425">
+          <a:bodyPr lIns="91425" tIns="91425" rIns="91425" bIns="91425" anchor="ctr" anchorCtr="0">
             <a:noAutofit/>
           </a:bodyPr>
           <a:lstStyle/>
@@ -2429,6 +2864,7 @@
               <a:rPr lang="en"/>
               <a:t>‹#›</a:t>
             </a:fld>
+            <a:endParaRPr lang="en"/>
           </a:p>
         </p:txBody>
       </p:sp>
@@ -2440,12 +2876,12 @@
 </p:sldLayout>
 </file>
 
-<file path=ppt/slideLayouts/slideLayout5.xml><?xml version="1.0" encoding="utf-8"?>
-<p:sldLayout xmlns:a="http://schemas.openxmlformats.org/drawingml/2006/main" xmlns:r="http://schemas.openxmlformats.org/officeDocument/2006/relationships" xmlns:mc="http://schemas.openxmlformats.org/markup-compatibility/2006" xmlns:mv="urn:schemas-microsoft-com:mac:vml" xmlns:p="http://schemas.openxmlformats.org/presentationml/2006/main" xmlns:c="http://schemas.openxmlformats.org/drawingml/2006/chart" xmlns:dgm="http://schemas.openxmlformats.org/drawingml/2006/diagram" xmlns:o="urn:schemas-microsoft-com:office:office" xmlns:v="urn:schemas-microsoft-com:vml" xmlns:pvml="urn:schemas-microsoft-com:office:powerpoint" xmlns:com="http://schemas.openxmlformats.org/drawingml/2006/compatibility" xmlns:p14="http://schemas.microsoft.com/office/powerpoint/2010/main">
+<file path=ppt/slideLayouts/slideLayout6.xml><?xml version="1.0" encoding="utf-8"?>
+<p:sldLayout xmlns:a="http://schemas.openxmlformats.org/drawingml/2006/main" xmlns:r="http://schemas.openxmlformats.org/officeDocument/2006/relationships" xmlns:p="http://schemas.openxmlformats.org/presentationml/2006/main">
   <p:cSld name="One column text">
     <p:spTree>
       <p:nvGrpSpPr>
-        <p:cNvPr id="32" name="Shape 32"/>
+        <p:cNvPr id="1" name="Shape 32"/>
         <p:cNvGrpSpPr/>
         <p:nvPr/>
       </p:nvGrpSpPr>
@@ -2460,7 +2896,9 @@
       <p:sp>
         <p:nvSpPr>
           <p:cNvPr id="33" name="Shape 33"/>
-          <p:cNvSpPr txBox="1"/>
+          <p:cNvSpPr txBox="1">
+            <a:spLocks noGrp="1"/>
+          </p:cNvSpPr>
           <p:nvPr>
             <p:ph type="title"/>
           </p:nvPr>
@@ -2475,7 +2913,7 @@
           </a:prstGeom>
         </p:spPr>
         <p:txBody>
-          <a:bodyPr anchorCtr="0" anchor="b" bIns="91425" lIns="91425" rIns="91425" tIns="91425"/>
+          <a:bodyPr lIns="91425" tIns="91425" rIns="91425" bIns="91425" anchor="b" anchorCtr="0"/>
           <a:lstStyle>
             <a:lvl1pPr lvl="0">
               <a:spcBef>
@@ -2541,15 +2979,19 @@
               <a:defRPr sz="2400"/>
             </a:lvl9pPr>
           </a:lstStyle>
-          <a:p/>
+          <a:p>
+            <a:endParaRPr/>
+          </a:p>
         </p:txBody>
       </p:sp>
       <p:sp>
         <p:nvSpPr>
           <p:cNvPr id="34" name="Shape 34"/>
-          <p:cNvSpPr txBox="1"/>
+          <p:cNvSpPr txBox="1">
+            <a:spLocks noGrp="1"/>
+          </p:cNvSpPr>
           <p:nvPr>
-            <p:ph idx="1" type="body"/>
+            <p:ph type="body" idx="1"/>
           </p:nvPr>
         </p:nvSpPr>
         <p:spPr>
@@ -2562,7 +3004,7 @@
           </a:prstGeom>
         </p:spPr>
         <p:txBody>
-          <a:bodyPr anchorCtr="0" anchor="t" bIns="91425" lIns="91425" rIns="91425" tIns="91425"/>
+          <a:bodyPr lIns="91425" tIns="91425" rIns="91425" bIns="91425" anchor="t" anchorCtr="0"/>
           <a:lstStyle>
             <a:lvl1pPr lvl="0">
               <a:spcBef>
@@ -2628,15 +3070,19 @@
               <a:defRPr sz="1200"/>
             </a:lvl9pPr>
           </a:lstStyle>
-          <a:p/>
+          <a:p>
+            <a:endParaRPr/>
+          </a:p>
         </p:txBody>
       </p:sp>
       <p:sp>
         <p:nvSpPr>
           <p:cNvPr id="35" name="Shape 35"/>
-          <p:cNvSpPr txBox="1"/>
+          <p:cNvSpPr txBox="1">
+            <a:spLocks noGrp="1"/>
+          </p:cNvSpPr>
           <p:nvPr>
-            <p:ph idx="12" type="sldNum"/>
+            <p:ph type="sldNum" idx="12"/>
           </p:nvPr>
         </p:nvSpPr>
         <p:spPr>
@@ -2649,7 +3095,7 @@
           </a:prstGeom>
         </p:spPr>
         <p:txBody>
-          <a:bodyPr anchorCtr="0" anchor="ctr" bIns="91425" lIns="91425" rIns="91425" tIns="91425">
+          <a:bodyPr lIns="91425" tIns="91425" rIns="91425" bIns="91425" anchor="ctr" anchorCtr="0">
             <a:noAutofit/>
           </a:bodyPr>
           <a:lstStyle/>
@@ -2664,6 +3110,7 @@
               <a:rPr lang="en"/>
               <a:t>‹#›</a:t>
             </a:fld>
+            <a:endParaRPr lang="en"/>
           </a:p>
         </p:txBody>
       </p:sp>
@@ -2675,19 +3122,20 @@
 </p:sldLayout>
 </file>
 
-<file path=ppt/slideLayouts/slideLayout6.xml><?xml version="1.0" encoding="utf-8"?>
-<p:sldLayout xmlns:a="http://schemas.openxmlformats.org/drawingml/2006/main" xmlns:r="http://schemas.openxmlformats.org/officeDocument/2006/relationships" xmlns:mc="http://schemas.openxmlformats.org/markup-compatibility/2006" xmlns:mv="urn:schemas-microsoft-com:mac:vml" xmlns:p="http://schemas.openxmlformats.org/presentationml/2006/main" xmlns:c="http://schemas.openxmlformats.org/drawingml/2006/chart" xmlns:dgm="http://schemas.openxmlformats.org/drawingml/2006/diagram" xmlns:o="urn:schemas-microsoft-com:office:office" xmlns:v="urn:schemas-microsoft-com:vml" xmlns:pvml="urn:schemas-microsoft-com:office:powerpoint" xmlns:com="http://schemas.openxmlformats.org/drawingml/2006/compatibility" xmlns:p14="http://schemas.microsoft.com/office/powerpoint/2010/main">
+<file path=ppt/slideLayouts/slideLayout7.xml><?xml version="1.0" encoding="utf-8"?>
+<p:sldLayout xmlns:a="http://schemas.openxmlformats.org/drawingml/2006/main" xmlns:r="http://schemas.openxmlformats.org/officeDocument/2006/relationships" xmlns:p="http://schemas.openxmlformats.org/presentationml/2006/main">
   <p:cSld name="Main point">
     <p:bg>
       <p:bgPr>
         <a:solidFill>
           <a:schemeClr val="lt2"/>
         </a:solidFill>
+        <a:effectLst/>
       </p:bgPr>
     </p:bg>
     <p:spTree>
       <p:nvGrpSpPr>
-        <p:cNvPr id="36" name="Shape 36"/>
+        <p:cNvPr id="1" name="Shape 36"/>
         <p:cNvGrpSpPr/>
         <p:nvPr/>
       </p:nvGrpSpPr>
@@ -2702,7 +3150,9 @@
       <p:sp>
         <p:nvSpPr>
           <p:cNvPr id="37" name="Shape 37"/>
-          <p:cNvSpPr txBox="1"/>
+          <p:cNvSpPr txBox="1">
+            <a:spLocks noGrp="1"/>
+          </p:cNvSpPr>
           <p:nvPr>
             <p:ph type="title"/>
           </p:nvPr>
@@ -2717,7 +3167,7 @@
           </a:prstGeom>
         </p:spPr>
         <p:txBody>
-          <a:bodyPr anchorCtr="0" anchor="ctr" bIns="91425" lIns="91425" rIns="91425" tIns="91425"/>
+          <a:bodyPr lIns="91425" tIns="91425" rIns="91425" bIns="91425" anchor="ctr" anchorCtr="0"/>
           <a:lstStyle>
             <a:lvl1pPr lvl="0">
               <a:spcBef>
@@ -2846,15 +3296,19 @@
               </a:defRPr>
             </a:lvl9pPr>
           </a:lstStyle>
-          <a:p/>
+          <a:p>
+            <a:endParaRPr/>
+          </a:p>
         </p:txBody>
       </p:sp>
       <p:sp>
         <p:nvSpPr>
           <p:cNvPr id="38" name="Shape 38"/>
-          <p:cNvSpPr txBox="1"/>
+          <p:cNvSpPr txBox="1">
+            <a:spLocks noGrp="1"/>
+          </p:cNvSpPr>
           <p:nvPr>
-            <p:ph idx="12" type="sldNum"/>
+            <p:ph type="sldNum" idx="12"/>
           </p:nvPr>
         </p:nvSpPr>
         <p:spPr>
@@ -2867,7 +3321,7 @@
           </a:prstGeom>
         </p:spPr>
         <p:txBody>
-          <a:bodyPr anchorCtr="0" anchor="ctr" bIns="91425" lIns="91425" rIns="91425" tIns="91425">
+          <a:bodyPr lIns="91425" tIns="91425" rIns="91425" bIns="91425" anchor="ctr" anchorCtr="0">
             <a:noAutofit/>
           </a:bodyPr>
           <a:lstStyle/>
@@ -2886,6 +3340,11 @@
               </a:rPr>
               <a:t>‹#›</a:t>
             </a:fld>
+            <a:endParaRPr lang="en">
+              <a:solidFill>
+                <a:schemeClr val="lt1"/>
+              </a:solidFill>
+            </a:endParaRPr>
           </a:p>
         </p:txBody>
       </p:sp>
@@ -2897,12 +3356,12 @@
 </p:sldLayout>
 </file>
 
-<file path=ppt/slideLayouts/slideLayout7.xml><?xml version="1.0" encoding="utf-8"?>
-<p:sldLayout xmlns:a="http://schemas.openxmlformats.org/drawingml/2006/main" xmlns:r="http://schemas.openxmlformats.org/officeDocument/2006/relationships" xmlns:mc="http://schemas.openxmlformats.org/markup-compatibility/2006" xmlns:mv="urn:schemas-microsoft-com:mac:vml" xmlns:p="http://schemas.openxmlformats.org/presentationml/2006/main" xmlns:c="http://schemas.openxmlformats.org/drawingml/2006/chart" xmlns:dgm="http://schemas.openxmlformats.org/drawingml/2006/diagram" xmlns:o="urn:schemas-microsoft-com:office:office" xmlns:v="urn:schemas-microsoft-com:vml" xmlns:pvml="urn:schemas-microsoft-com:office:powerpoint" xmlns:com="http://schemas.openxmlformats.org/drawingml/2006/compatibility" xmlns:p14="http://schemas.microsoft.com/office/powerpoint/2010/main">
+<file path=ppt/slideLayouts/slideLayout8.xml><?xml version="1.0" encoding="utf-8"?>
+<p:sldLayout xmlns:a="http://schemas.openxmlformats.org/drawingml/2006/main" xmlns:r="http://schemas.openxmlformats.org/officeDocument/2006/relationships" xmlns:p="http://schemas.openxmlformats.org/presentationml/2006/main">
   <p:cSld name="Section title and description">
     <p:spTree>
       <p:nvGrpSpPr>
-        <p:cNvPr id="39" name="Shape 39"/>
+        <p:cNvPr id="1" name="Shape 39"/>
         <p:cNvGrpSpPr/>
         <p:nvPr/>
       </p:nvGrpSpPr>
@@ -2936,7 +3395,7 @@
           </a:ln>
         </p:spPr>
         <p:txBody>
-          <a:bodyPr anchorCtr="0" anchor="ctr" bIns="91425" lIns="91425" rIns="91425" tIns="91425">
+          <a:bodyPr lIns="91425" tIns="91425" rIns="91425" bIns="91425" anchor="ctr" anchorCtr="0">
             <a:noAutofit/>
           </a:bodyPr>
           <a:lstStyle/>
@@ -2947,9 +3406,6 @@
               </a:spcBef>
               <a:buNone/>
             </a:pPr>
-            <a:r>
-              <a:t/>
-            </a:r>
             <a:endParaRPr/>
           </a:p>
         </p:txBody>
@@ -2969,21 +3425,23 @@
             <a:avLst/>
           </a:prstGeom>
           <a:noFill/>
-          <a:ln cap="flat" cmpd="sng" w="19050">
+          <a:ln w="19050" cap="flat" cmpd="sng">
             <a:solidFill>
               <a:schemeClr val="lt1"/>
             </a:solidFill>
             <a:prstDash val="solid"/>
             <a:round/>
-            <a:headEnd len="med" w="med" type="none"/>
-            <a:tailEnd len="med" w="med" type="none"/>
+            <a:headEnd type="none" w="med" len="med"/>
+            <a:tailEnd type="none" w="med" len="med"/>
           </a:ln>
         </p:spPr>
       </p:cxnSp>
       <p:sp>
         <p:nvSpPr>
           <p:cNvPr id="42" name="Shape 42"/>
-          <p:cNvSpPr txBox="1"/>
+          <p:cNvSpPr txBox="1">
+            <a:spLocks noGrp="1"/>
+          </p:cNvSpPr>
           <p:nvPr>
             <p:ph type="title"/>
           </p:nvPr>
@@ -2998,7 +3456,7 @@
           </a:prstGeom>
         </p:spPr>
         <p:txBody>
-          <a:bodyPr anchorCtr="0" anchor="b" bIns="91425" lIns="91425" rIns="91425" tIns="91425"/>
+          <a:bodyPr lIns="91425" tIns="91425" rIns="91425" bIns="91425" anchor="b" anchorCtr="0"/>
           <a:lstStyle>
             <a:lvl1pPr lvl="0" algn="ctr">
               <a:spcBef>
@@ -3064,15 +3522,19 @@
               <a:defRPr sz="4200"/>
             </a:lvl9pPr>
           </a:lstStyle>
-          <a:p/>
+          <a:p>
+            <a:endParaRPr/>
+          </a:p>
         </p:txBody>
       </p:sp>
       <p:sp>
         <p:nvSpPr>
           <p:cNvPr id="43" name="Shape 43"/>
-          <p:cNvSpPr txBox="1"/>
+          <p:cNvSpPr txBox="1">
+            <a:spLocks noGrp="1"/>
+          </p:cNvSpPr>
           <p:nvPr>
-            <p:ph idx="1" type="subTitle"/>
+            <p:ph type="subTitle" idx="1"/>
           </p:nvPr>
         </p:nvSpPr>
         <p:spPr>
@@ -3085,7 +3547,7 @@
           </a:prstGeom>
         </p:spPr>
         <p:txBody>
-          <a:bodyPr anchorCtr="0" anchor="t" bIns="91425" lIns="91425" rIns="91425" tIns="91425"/>
+          <a:bodyPr lIns="91425" tIns="91425" rIns="91425" bIns="91425" anchor="t" anchorCtr="0"/>
           <a:lstStyle>
             <a:lvl1pPr lvl="0" algn="ctr">
               <a:lnSpc>
@@ -3277,15 +3739,19 @@
               </a:defRPr>
             </a:lvl9pPr>
           </a:lstStyle>
-          <a:p/>
+          <a:p>
+            <a:endParaRPr/>
+          </a:p>
         </p:txBody>
       </p:sp>
       <p:sp>
         <p:nvSpPr>
           <p:cNvPr id="44" name="Shape 44"/>
-          <p:cNvSpPr txBox="1"/>
+          <p:cNvSpPr txBox="1">
+            <a:spLocks noGrp="1"/>
+          </p:cNvSpPr>
           <p:nvPr>
-            <p:ph idx="2" type="body"/>
+            <p:ph type="body" idx="2"/>
           </p:nvPr>
         </p:nvSpPr>
         <p:spPr>
@@ -3298,7 +3764,7 @@
           </a:prstGeom>
         </p:spPr>
         <p:txBody>
-          <a:bodyPr anchorCtr="0" anchor="ctr" bIns="91425" lIns="91425" rIns="91425" tIns="91425"/>
+          <a:bodyPr lIns="91425" tIns="91425" rIns="91425" bIns="91425" anchor="ctr" anchorCtr="0"/>
           <a:lstStyle>
             <a:lvl1pPr lvl="0">
               <a:spcBef>
@@ -3418,15 +3884,19 @@
               </a:defRPr>
             </a:lvl9pPr>
           </a:lstStyle>
-          <a:p/>
+          <a:p>
+            <a:endParaRPr/>
+          </a:p>
         </p:txBody>
       </p:sp>
       <p:sp>
         <p:nvSpPr>
           <p:cNvPr id="45" name="Shape 45"/>
-          <p:cNvSpPr txBox="1"/>
+          <p:cNvSpPr txBox="1">
+            <a:spLocks noGrp="1"/>
+          </p:cNvSpPr>
           <p:nvPr>
-            <p:ph idx="12" type="sldNum"/>
+            <p:ph type="sldNum" idx="12"/>
           </p:nvPr>
         </p:nvSpPr>
         <p:spPr>
@@ -3439,7 +3909,7 @@
           </a:prstGeom>
         </p:spPr>
         <p:txBody>
-          <a:bodyPr anchorCtr="0" anchor="ctr" bIns="91425" lIns="91425" rIns="91425" tIns="91425">
+          <a:bodyPr lIns="91425" tIns="91425" rIns="91425" bIns="91425" anchor="ctr" anchorCtr="0">
             <a:noAutofit/>
           </a:bodyPr>
           <a:lstStyle/>
@@ -3458,6 +3928,11 @@
               </a:rPr>
               <a:t>‹#›</a:t>
             </a:fld>
+            <a:endParaRPr lang="en">
+              <a:solidFill>
+                <a:schemeClr val="lt1"/>
+              </a:solidFill>
+            </a:endParaRPr>
           </a:p>
         </p:txBody>
       </p:sp>
@@ -3469,12 +3944,12 @@
 </p:sldLayout>
 </file>
 
-<file path=ppt/slideLayouts/slideLayout8.xml><?xml version="1.0" encoding="utf-8"?>
-<p:sldLayout xmlns:a="http://schemas.openxmlformats.org/drawingml/2006/main" xmlns:r="http://schemas.openxmlformats.org/officeDocument/2006/relationships" xmlns:mc="http://schemas.openxmlformats.org/markup-compatibility/2006" xmlns:mv="urn:schemas-microsoft-com:mac:vml" xmlns:p="http://schemas.openxmlformats.org/presentationml/2006/main" xmlns:c="http://schemas.openxmlformats.org/drawingml/2006/chart" xmlns:dgm="http://schemas.openxmlformats.org/drawingml/2006/diagram" xmlns:o="urn:schemas-microsoft-com:office:office" xmlns:v="urn:schemas-microsoft-com:vml" xmlns:pvml="urn:schemas-microsoft-com:office:powerpoint" xmlns:com="http://schemas.openxmlformats.org/drawingml/2006/compatibility" xmlns:p14="http://schemas.microsoft.com/office/powerpoint/2010/main">
+<file path=ppt/slideLayouts/slideLayout9.xml><?xml version="1.0" encoding="utf-8"?>
+<p:sldLayout xmlns:a="http://schemas.openxmlformats.org/drawingml/2006/main" xmlns:r="http://schemas.openxmlformats.org/officeDocument/2006/relationships" xmlns:p="http://schemas.openxmlformats.org/presentationml/2006/main">
   <p:cSld name="Caption">
     <p:spTree>
       <p:nvGrpSpPr>
-        <p:cNvPr id="46" name="Shape 46"/>
+        <p:cNvPr id="1" name="Shape 46"/>
         <p:cNvGrpSpPr/>
         <p:nvPr/>
       </p:nvGrpSpPr>
@@ -3489,9 +3964,11 @@
       <p:sp>
         <p:nvSpPr>
           <p:cNvPr id="47" name="Shape 47"/>
-          <p:cNvSpPr txBox="1"/>
+          <p:cNvSpPr txBox="1">
+            <a:spLocks noGrp="1"/>
+          </p:cNvSpPr>
           <p:nvPr>
-            <p:ph idx="1" type="body"/>
+            <p:ph type="body" idx="1"/>
           </p:nvPr>
         </p:nvSpPr>
         <p:spPr>
@@ -3504,7 +3981,7 @@
           </a:prstGeom>
         </p:spPr>
         <p:txBody>
-          <a:bodyPr anchorCtr="0" anchor="ctr" bIns="91425" lIns="91425" rIns="91425" tIns="91425"/>
+          <a:bodyPr lIns="91425" tIns="91425" rIns="91425" bIns="91425" anchor="ctr" anchorCtr="0"/>
           <a:lstStyle>
             <a:lvl1pPr lvl="0">
               <a:lnSpc>
@@ -3533,15 +4010,19 @@
               </a:defRPr>
             </a:lvl1pPr>
           </a:lstStyle>
-          <a:p/>
+          <a:p>
+            <a:endParaRPr/>
+          </a:p>
         </p:txBody>
       </p:sp>
       <p:sp>
         <p:nvSpPr>
           <p:cNvPr id="48" name="Shape 48"/>
-          <p:cNvSpPr txBox="1"/>
+          <p:cNvSpPr txBox="1">
+            <a:spLocks noGrp="1"/>
+          </p:cNvSpPr>
           <p:nvPr>
-            <p:ph idx="12" type="sldNum"/>
+            <p:ph type="sldNum" idx="12"/>
           </p:nvPr>
         </p:nvSpPr>
         <p:spPr>
@@ -3554,7 +4035,7 @@
           </a:prstGeom>
         </p:spPr>
         <p:txBody>
-          <a:bodyPr anchorCtr="0" anchor="ctr" bIns="91425" lIns="91425" rIns="91425" tIns="91425">
+          <a:bodyPr lIns="91425" tIns="91425" rIns="91425" bIns="91425" anchor="ctr" anchorCtr="0">
             <a:noAutofit/>
           </a:bodyPr>
           <a:lstStyle/>
@@ -3569,6 +4050,7 @@
               <a:rPr lang="en"/>
               <a:t>‹#›</a:t>
             </a:fld>
+            <a:endParaRPr lang="en"/>
           </a:p>
         </p:txBody>
       </p:sp>
@@ -3580,245 +4062,20 @@
 </p:sldLayout>
 </file>
 
-<file path=ppt/slideLayouts/slideLayout9.xml><?xml version="1.0" encoding="utf-8"?>
-<p:sldLayout xmlns:a="http://schemas.openxmlformats.org/drawingml/2006/main" xmlns:r="http://schemas.openxmlformats.org/officeDocument/2006/relationships" xmlns:mc="http://schemas.openxmlformats.org/markup-compatibility/2006" xmlns:mv="urn:schemas-microsoft-com:mac:vml" xmlns:p="http://schemas.openxmlformats.org/presentationml/2006/main" xmlns:c="http://schemas.openxmlformats.org/drawingml/2006/chart" xmlns:dgm="http://schemas.openxmlformats.org/drawingml/2006/diagram" xmlns:o="urn:schemas-microsoft-com:office:office" xmlns:v="urn:schemas-microsoft-com:vml" xmlns:pvml="urn:schemas-microsoft-com:office:powerpoint" xmlns:com="http://schemas.openxmlformats.org/drawingml/2006/compatibility" xmlns:p14="http://schemas.microsoft.com/office/powerpoint/2010/main">
-  <p:cSld name="Big number">
-    <p:spTree>
-      <p:nvGrpSpPr>
-        <p:cNvPr id="49" name="Shape 49"/>
-        <p:cNvGrpSpPr/>
-        <p:nvPr/>
-      </p:nvGrpSpPr>
-      <p:grpSpPr>
-        <a:xfrm>
-          <a:off x="0" y="0"/>
-          <a:ext cx="0" cy="0"/>
-          <a:chOff x="0" y="0"/>
-          <a:chExt cx="0" cy="0"/>
-        </a:xfrm>
-      </p:grpSpPr>
-      <p:sp>
-        <p:nvSpPr>
-          <p:cNvPr id="50" name="Shape 50"/>
-          <p:cNvSpPr txBox="1"/>
-          <p:nvPr>
-            <p:ph type="title"/>
-          </p:nvPr>
-        </p:nvSpPr>
-        <p:spPr>
-          <a:xfrm>
-            <a:off x="311700" y="1255275"/>
-            <a:ext cx="8520599" cy="1890600"/>
-          </a:xfrm>
-          <a:prstGeom prst="rect">
-            <a:avLst/>
-          </a:prstGeom>
-        </p:spPr>
-        <p:txBody>
-          <a:bodyPr anchorCtr="0" anchor="b" bIns="91425" lIns="91425" rIns="91425" tIns="91425"/>
-          <a:lstStyle>
-            <a:lvl1pPr lvl="0" algn="ctr">
-              <a:spcBef>
-                <a:spcPts val="0"/>
-              </a:spcBef>
-              <a:buSzPct val="100000"/>
-              <a:defRPr sz="12000"/>
-            </a:lvl1pPr>
-            <a:lvl2pPr lvl="1" algn="ctr">
-              <a:spcBef>
-                <a:spcPts val="0"/>
-              </a:spcBef>
-              <a:buSzPct val="100000"/>
-              <a:defRPr sz="12000"/>
-            </a:lvl2pPr>
-            <a:lvl3pPr lvl="2" algn="ctr">
-              <a:spcBef>
-                <a:spcPts val="0"/>
-              </a:spcBef>
-              <a:buSzPct val="100000"/>
-              <a:defRPr sz="12000"/>
-            </a:lvl3pPr>
-            <a:lvl4pPr lvl="3" algn="ctr">
-              <a:spcBef>
-                <a:spcPts val="0"/>
-              </a:spcBef>
-              <a:buSzPct val="100000"/>
-              <a:defRPr sz="12000"/>
-            </a:lvl4pPr>
-            <a:lvl5pPr lvl="4" algn="ctr">
-              <a:spcBef>
-                <a:spcPts val="0"/>
-              </a:spcBef>
-              <a:buSzPct val="100000"/>
-              <a:defRPr sz="12000"/>
-            </a:lvl5pPr>
-            <a:lvl6pPr lvl="5" algn="ctr">
-              <a:spcBef>
-                <a:spcPts val="0"/>
-              </a:spcBef>
-              <a:buSzPct val="100000"/>
-              <a:defRPr sz="12000"/>
-            </a:lvl6pPr>
-            <a:lvl7pPr lvl="6" algn="ctr">
-              <a:spcBef>
-                <a:spcPts val="0"/>
-              </a:spcBef>
-              <a:buSzPct val="100000"/>
-              <a:defRPr sz="12000"/>
-            </a:lvl7pPr>
-            <a:lvl8pPr lvl="7" algn="ctr">
-              <a:spcBef>
-                <a:spcPts val="0"/>
-              </a:spcBef>
-              <a:buSzPct val="100000"/>
-              <a:defRPr sz="12000"/>
-            </a:lvl8pPr>
-            <a:lvl9pPr lvl="8" algn="ctr">
-              <a:spcBef>
-                <a:spcPts val="0"/>
-              </a:spcBef>
-              <a:buSzPct val="100000"/>
-              <a:defRPr sz="12000"/>
-            </a:lvl9pPr>
-          </a:lstStyle>
-          <a:p/>
-        </p:txBody>
-      </p:sp>
-      <p:sp>
-        <p:nvSpPr>
-          <p:cNvPr id="51" name="Shape 51"/>
-          <p:cNvSpPr txBox="1"/>
-          <p:nvPr>
-            <p:ph idx="1" type="body"/>
-          </p:nvPr>
-        </p:nvSpPr>
-        <p:spPr>
-          <a:xfrm>
-            <a:off x="311700" y="3228425"/>
-            <a:ext cx="8520599" cy="1300800"/>
-          </a:xfrm>
-          <a:prstGeom prst="rect">
-            <a:avLst/>
-          </a:prstGeom>
-        </p:spPr>
-        <p:txBody>
-          <a:bodyPr anchorCtr="0" anchor="t" bIns="91425" lIns="91425" rIns="91425" tIns="91425"/>
-          <a:lstStyle>
-            <a:lvl1pPr lvl="0" algn="ctr">
-              <a:spcBef>
-                <a:spcPts val="0"/>
-              </a:spcBef>
-              <a:defRPr/>
-            </a:lvl1pPr>
-            <a:lvl2pPr lvl="1" algn="ctr">
-              <a:spcBef>
-                <a:spcPts val="0"/>
-              </a:spcBef>
-              <a:defRPr/>
-            </a:lvl2pPr>
-            <a:lvl3pPr lvl="2" algn="ctr">
-              <a:spcBef>
-                <a:spcPts val="0"/>
-              </a:spcBef>
-              <a:defRPr/>
-            </a:lvl3pPr>
-            <a:lvl4pPr lvl="3" algn="ctr">
-              <a:spcBef>
-                <a:spcPts val="0"/>
-              </a:spcBef>
-              <a:defRPr/>
-            </a:lvl4pPr>
-            <a:lvl5pPr lvl="4" algn="ctr">
-              <a:spcBef>
-                <a:spcPts val="0"/>
-              </a:spcBef>
-              <a:defRPr/>
-            </a:lvl5pPr>
-            <a:lvl6pPr lvl="5" algn="ctr">
-              <a:spcBef>
-                <a:spcPts val="0"/>
-              </a:spcBef>
-              <a:defRPr/>
-            </a:lvl6pPr>
-            <a:lvl7pPr lvl="6" algn="ctr">
-              <a:spcBef>
-                <a:spcPts val="0"/>
-              </a:spcBef>
-              <a:defRPr/>
-            </a:lvl7pPr>
-            <a:lvl8pPr lvl="7" algn="ctr">
-              <a:spcBef>
-                <a:spcPts val="0"/>
-              </a:spcBef>
-              <a:defRPr/>
-            </a:lvl8pPr>
-            <a:lvl9pPr lvl="8" algn="ctr">
-              <a:spcBef>
-                <a:spcPts val="0"/>
-              </a:spcBef>
-              <a:defRPr/>
-            </a:lvl9pPr>
-          </a:lstStyle>
-          <a:p/>
-        </p:txBody>
-      </p:sp>
-      <p:sp>
-        <p:nvSpPr>
-          <p:cNvPr id="52" name="Shape 52"/>
-          <p:cNvSpPr txBox="1"/>
-          <p:nvPr>
-            <p:ph idx="12" type="sldNum"/>
-          </p:nvPr>
-        </p:nvSpPr>
-        <p:spPr>
-          <a:xfrm>
-            <a:off x="8490250" y="4681009"/>
-            <a:ext cx="548699" cy="393600"/>
-          </a:xfrm>
-          <a:prstGeom prst="rect">
-            <a:avLst/>
-          </a:prstGeom>
-        </p:spPr>
-        <p:txBody>
-          <a:bodyPr anchorCtr="0" anchor="ctr" bIns="91425" lIns="91425" rIns="91425" tIns="91425">
-            <a:noAutofit/>
-          </a:bodyPr>
-          <a:lstStyle/>
-          <a:p>
-            <a:pPr lvl="0">
-              <a:spcBef>
-                <a:spcPts val="0"/>
-              </a:spcBef>
-              <a:buNone/>
-            </a:pPr>
-            <a:fld id="{00000000-1234-1234-1234-123412341234}" type="slidenum">
-              <a:rPr lang="en"/>
-              <a:t>‹#›</a:t>
-            </a:fld>
-          </a:p>
-        </p:txBody>
-      </p:sp>
-    </p:spTree>
-  </p:cSld>
-  <p:clrMapOvr>
-    <a:masterClrMapping/>
-  </p:clrMapOvr>
-</p:sldLayout>
-</file>
-
-<file path=ppt/slideMasters/slideMaster.xml><?xml version="1.0" encoding="utf-8"?>
-<p:sldMaster xmlns:a="http://schemas.openxmlformats.org/drawingml/2006/main" xmlns:r="http://schemas.openxmlformats.org/officeDocument/2006/relationships" xmlns:mc="http://schemas.openxmlformats.org/markup-compatibility/2006" xmlns:mv="urn:schemas-microsoft-com:mac:vml" xmlns:p="http://schemas.openxmlformats.org/presentationml/2006/main" xmlns:c="http://schemas.openxmlformats.org/drawingml/2006/chart" xmlns:dgm="http://schemas.openxmlformats.org/drawingml/2006/diagram" xmlns:o="urn:schemas-microsoft-com:office:office" xmlns:v="urn:schemas-microsoft-com:vml" xmlns:pvml="urn:schemas-microsoft-com:office:powerpoint" xmlns:com="http://schemas.openxmlformats.org/drawingml/2006/compatibility" xmlns:p14="http://schemas.microsoft.com/office/powerpoint/2010/main">
+<file path=ppt/slideMasters/slideMaster1.xml><?xml version="1.0" encoding="utf-8"?>
+<p:sldMaster xmlns:a="http://schemas.openxmlformats.org/drawingml/2006/main" xmlns:r="http://schemas.openxmlformats.org/officeDocument/2006/relationships" xmlns:p="http://schemas.openxmlformats.org/presentationml/2006/main">
   <p:cSld>
     <p:bg>
       <p:bgPr>
         <a:solidFill>
           <a:schemeClr val="lt1"/>
         </a:solidFill>
+        <a:effectLst/>
       </p:bgPr>
     </p:bg>
     <p:spTree>
       <p:nvGrpSpPr>
-        <p:cNvPr id="5" name="Shape 5"/>
+        <p:cNvPr id="1" name="Shape 5"/>
         <p:cNvGrpSpPr/>
         <p:nvPr/>
       </p:nvGrpSpPr>
@@ -3833,7 +4090,9 @@
       <p:sp>
         <p:nvSpPr>
           <p:cNvPr id="6" name="Shape 6"/>
-          <p:cNvSpPr txBox="1"/>
+          <p:cNvSpPr txBox="1">
+            <a:spLocks noGrp="1"/>
+          </p:cNvSpPr>
           <p:nvPr>
             <p:ph type="title"/>
           </p:nvPr>
@@ -3852,7 +4111,7 @@
           </a:ln>
         </p:spPr>
         <p:txBody>
-          <a:bodyPr anchorCtr="0" anchor="t" bIns="91425" lIns="91425" rIns="91425" tIns="91425"/>
+          <a:bodyPr lIns="91425" tIns="91425" rIns="91425" bIns="91425" anchor="t" anchorCtr="0"/>
           <a:lstStyle>
             <a:lvl1pPr lvl="0">
               <a:spcBef>
@@ -4035,15 +4294,19 @@
               </a:defRPr>
             </a:lvl9pPr>
           </a:lstStyle>
-          <a:p/>
+          <a:p>
+            <a:endParaRPr/>
+          </a:p>
         </p:txBody>
       </p:sp>
       <p:sp>
         <p:nvSpPr>
           <p:cNvPr id="7" name="Shape 7"/>
-          <p:cNvSpPr txBox="1"/>
+          <p:cNvSpPr txBox="1">
+            <a:spLocks noGrp="1"/>
+          </p:cNvSpPr>
           <p:nvPr>
-            <p:ph idx="1" type="body"/>
+            <p:ph type="body" idx="1"/>
           </p:nvPr>
         </p:nvSpPr>
         <p:spPr>
@@ -4060,7 +4323,7 @@
           </a:ln>
         </p:spPr>
         <p:txBody>
-          <a:bodyPr anchorCtr="0" anchor="t" bIns="91425" lIns="91425" rIns="91425" tIns="91425"/>
+          <a:bodyPr lIns="91425" tIns="91425" rIns="91425" bIns="91425" anchor="t" anchorCtr="0"/>
           <a:lstStyle>
             <a:lvl1pPr lvl="0">
               <a:lnSpc>
@@ -4280,15 +4543,19 @@
               </a:defRPr>
             </a:lvl9pPr>
           </a:lstStyle>
-          <a:p/>
+          <a:p>
+            <a:endParaRPr/>
+          </a:p>
         </p:txBody>
       </p:sp>
       <p:sp>
         <p:nvSpPr>
           <p:cNvPr id="8" name="Shape 8"/>
-          <p:cNvSpPr txBox="1"/>
+          <p:cNvSpPr txBox="1">
+            <a:spLocks noGrp="1"/>
+          </p:cNvSpPr>
           <p:nvPr>
-            <p:ph idx="12" type="sldNum"/>
+            <p:ph type="sldNum" idx="12"/>
           </p:nvPr>
         </p:nvSpPr>
         <p:spPr>
@@ -4305,7 +4572,7 @@
           </a:ln>
         </p:spPr>
         <p:txBody>
-          <a:bodyPr anchorCtr="0" anchor="ctr" bIns="91425" lIns="91425" rIns="91425" tIns="91425">
+          <a:bodyPr lIns="91425" tIns="91425" rIns="91425" bIns="91425" anchor="ctr" anchorCtr="0">
             <a:noAutofit/>
           </a:bodyPr>
           <a:lstStyle/>
@@ -4328,12 +4595,21 @@
               </a:rPr>
               <a:t>‹#›</a:t>
             </a:fld>
+            <a:endParaRPr lang="en" sz="1000">
+              <a:solidFill>
+                <a:schemeClr val="accent3"/>
+              </a:solidFill>
+              <a:latin typeface="Average"/>
+              <a:ea typeface="Average"/>
+              <a:cs typeface="Average"/>
+              <a:sym typeface="Average"/>
+            </a:endParaRPr>
           </a:p>
         </p:txBody>
       </p:sp>
     </p:spTree>
   </p:cSld>
-  <p:clrMap accent1="accent1" accent2="accent2" accent3="accent3" accent4="accent4" accent5="accent5" accent6="accent6" bg1="lt1" bg2="dk2" tx1="dk1" tx2="lt2" folHlink="folHlink" hlink="hlink"/>
+  <p:clrMap bg1="lt1" tx1="dk1" bg2="dk2" tx2="lt2" accent1="accent1" accent2="accent2" accent3="accent3" accent4="accent4" accent5="accent5" accent6="accent6" hlink="hlink" folHlink="folHlink"/>
   <p:sldLayoutIdLst>
     <p:sldLayoutId id="2147483648" r:id="rId1"/>
     <p:sldLayoutId id="2147483649" r:id="rId2"/>
@@ -4347,10 +4623,10 @@
     <p:sldLayoutId id="2147483657" r:id="rId10"/>
     <p:sldLayoutId id="2147483658" r:id="rId11"/>
   </p:sldLayoutIdLst>
-  <p:hf dt="0" ftr="0" hdr="0" sldNum="0"/>
+  <p:hf sldNum="0" hdr="0" ftr="0" dt="0"/>
   <p:txStyles>
     <p:titleStyle>
-      <a:defPPr lvl="0" marR="0" rtl="0" algn="l">
+      <a:defPPr marR="0" lvl="0" algn="l" rtl="0">
         <a:lnSpc>
           <a:spcPct val="100000"/>
         </a:lnSpc>
@@ -4361,7 +4637,7 @@
           <a:spcPts val="0"/>
         </a:spcAft>
       </a:defPPr>
-      <a:lvl1pPr lvl="0" marR="0" rtl="0" algn="l">
+      <a:lvl1pPr marR="0" lvl="0" algn="l" rtl="0">
         <a:lnSpc>
           <a:spcPct val="100000"/>
         </a:lnSpc>
@@ -4372,7 +4648,7 @@
           <a:spcPts val="0"/>
         </a:spcAft>
         <a:buNone/>
-        <a:defRPr b="0" i="0" sz="1400" u="none" cap="none" strike="noStrike">
+        <a:defRPr sz="1400" b="0" i="0" u="none" strike="noStrike" cap="none">
           <a:solidFill>
             <a:srgbClr val="000000"/>
           </a:solidFill>
@@ -4385,7 +4661,7 @@
       </a:lvl1pPr>
     </p:titleStyle>
     <p:bodyStyle>
-      <a:defPPr lvl="0" marR="0" rtl="0" algn="l">
+      <a:defPPr marR="0" lvl="0" algn="l" rtl="0">
         <a:lnSpc>
           <a:spcPct val="100000"/>
         </a:lnSpc>
@@ -4396,7 +4672,7 @@
           <a:spcPts val="0"/>
         </a:spcAft>
       </a:defPPr>
-      <a:lvl1pPr lvl="0" marR="0" rtl="0" algn="l">
+      <a:lvl1pPr marR="0" lvl="0" algn="l" rtl="0">
         <a:lnSpc>
           <a:spcPct val="100000"/>
         </a:lnSpc>
@@ -4407,7 +4683,7 @@
           <a:spcPts val="0"/>
         </a:spcAft>
         <a:buNone/>
-        <a:defRPr b="0" i="0" sz="1400" u="none" cap="none" strike="noStrike">
+        <a:defRPr sz="1400" b="0" i="0" u="none" strike="noStrike" cap="none">
           <a:solidFill>
             <a:srgbClr val="000000"/>
           </a:solidFill>
@@ -4418,7 +4694,7 @@
           <a:rtl val="0"/>
         </a:defRPr>
       </a:lvl1pPr>
-      <a:lvl2pPr lvl="1" marR="0" rtl="0" algn="l">
+      <a:lvl2pPr marR="0" lvl="1" algn="l" rtl="0">
         <a:lnSpc>
           <a:spcPct val="100000"/>
         </a:lnSpc>
@@ -4429,7 +4705,7 @@
           <a:spcPts val="0"/>
         </a:spcAft>
         <a:buNone/>
-        <a:defRPr b="0" i="0" sz="1400" u="none" cap="none" strike="noStrike">
+        <a:defRPr sz="1400" b="0" i="0" u="none" strike="noStrike" cap="none">
           <a:solidFill>
             <a:srgbClr val="000000"/>
           </a:solidFill>
@@ -4440,7 +4716,7 @@
           <a:rtl val="0"/>
         </a:defRPr>
       </a:lvl2pPr>
-      <a:lvl3pPr lvl="2" marR="0" rtl="0" algn="l">
+      <a:lvl3pPr marR="0" lvl="2" algn="l" rtl="0">
         <a:lnSpc>
           <a:spcPct val="100000"/>
         </a:lnSpc>
@@ -4451,7 +4727,7 @@
           <a:spcPts val="0"/>
         </a:spcAft>
         <a:buNone/>
-        <a:defRPr b="0" i="0" sz="1400" u="none" cap="none" strike="noStrike">
+        <a:defRPr sz="1400" b="0" i="0" u="none" strike="noStrike" cap="none">
           <a:solidFill>
             <a:srgbClr val="000000"/>
           </a:solidFill>
@@ -4462,7 +4738,7 @@
           <a:rtl val="0"/>
         </a:defRPr>
       </a:lvl3pPr>
-      <a:lvl4pPr lvl="3" marR="0" rtl="0" algn="l">
+      <a:lvl4pPr marR="0" lvl="3" algn="l" rtl="0">
         <a:lnSpc>
           <a:spcPct val="100000"/>
         </a:lnSpc>
@@ -4473,7 +4749,7 @@
           <a:spcPts val="0"/>
         </a:spcAft>
         <a:buNone/>
-        <a:defRPr b="0" i="0" sz="1400" u="none" cap="none" strike="noStrike">
+        <a:defRPr sz="1400" b="0" i="0" u="none" strike="noStrike" cap="none">
           <a:solidFill>
             <a:srgbClr val="000000"/>
           </a:solidFill>
@@ -4484,7 +4760,7 @@
           <a:rtl val="0"/>
         </a:defRPr>
       </a:lvl4pPr>
-      <a:lvl5pPr lvl="4" marR="0" rtl="0" algn="l">
+      <a:lvl5pPr marR="0" lvl="4" algn="l" rtl="0">
         <a:lnSpc>
           <a:spcPct val="100000"/>
         </a:lnSpc>
@@ -4495,7 +4771,7 @@
           <a:spcPts val="0"/>
         </a:spcAft>
         <a:buNone/>
-        <a:defRPr b="0" i="0" sz="1400" u="none" cap="none" strike="noStrike">
+        <a:defRPr sz="1400" b="0" i="0" u="none" strike="noStrike" cap="none">
           <a:solidFill>
             <a:srgbClr val="000000"/>
           </a:solidFill>
@@ -4506,7 +4782,7 @@
           <a:rtl val="0"/>
         </a:defRPr>
       </a:lvl5pPr>
-      <a:lvl6pPr lvl="5" marR="0" rtl="0" algn="l">
+      <a:lvl6pPr marR="0" lvl="5" algn="l" rtl="0">
         <a:lnSpc>
           <a:spcPct val="100000"/>
         </a:lnSpc>
@@ -4517,7 +4793,7 @@
           <a:spcPts val="0"/>
         </a:spcAft>
         <a:buNone/>
-        <a:defRPr b="0" i="0" sz="1400" u="none" cap="none" strike="noStrike">
+        <a:defRPr sz="1400" b="0" i="0" u="none" strike="noStrike" cap="none">
           <a:solidFill>
             <a:srgbClr val="000000"/>
           </a:solidFill>
@@ -4528,7 +4804,7 @@
           <a:rtl val="0"/>
         </a:defRPr>
       </a:lvl6pPr>
-      <a:lvl7pPr lvl="6" marR="0" rtl="0" algn="l">
+      <a:lvl7pPr marR="0" lvl="6" algn="l" rtl="0">
         <a:lnSpc>
           <a:spcPct val="100000"/>
         </a:lnSpc>
@@ -4539,7 +4815,7 @@
           <a:spcPts val="0"/>
         </a:spcAft>
         <a:buNone/>
-        <a:defRPr b="0" i="0" sz="1400" u="none" cap="none" strike="noStrike">
+        <a:defRPr sz="1400" b="0" i="0" u="none" strike="noStrike" cap="none">
           <a:solidFill>
             <a:srgbClr val="000000"/>
           </a:solidFill>
@@ -4550,7 +4826,7 @@
           <a:rtl val="0"/>
         </a:defRPr>
       </a:lvl7pPr>
-      <a:lvl8pPr lvl="7" marR="0" rtl="0" algn="l">
+      <a:lvl8pPr marR="0" lvl="7" algn="l" rtl="0">
         <a:lnSpc>
           <a:spcPct val="100000"/>
         </a:lnSpc>
@@ -4561,7 +4837,7 @@
           <a:spcPts val="0"/>
         </a:spcAft>
         <a:buNone/>
-        <a:defRPr b="0" i="0" sz="1400" u="none" cap="none" strike="noStrike">
+        <a:defRPr sz="1400" b="0" i="0" u="none" strike="noStrike" cap="none">
           <a:solidFill>
             <a:srgbClr val="000000"/>
           </a:solidFill>
@@ -4572,7 +4848,7 @@
           <a:rtl val="0"/>
         </a:defRPr>
       </a:lvl8pPr>
-      <a:lvl9pPr lvl="8" marR="0" rtl="0" algn="l">
+      <a:lvl9pPr marR="0" lvl="8" algn="l" rtl="0">
         <a:lnSpc>
           <a:spcPct val="100000"/>
         </a:lnSpc>
@@ -4583,7 +4859,7 @@
           <a:spcPts val="0"/>
         </a:spcAft>
         <a:buNone/>
-        <a:defRPr b="0" i="0" sz="1400" u="none" cap="none" strike="noStrike">
+        <a:defRPr sz="1400" b="0" i="0" u="none" strike="noStrike" cap="none">
           <a:solidFill>
             <a:srgbClr val="000000"/>
           </a:solidFill>
@@ -4596,7 +4872,7 @@
       </a:lvl9pPr>
     </p:bodyStyle>
     <p:otherStyle>
-      <a:defPPr lvl="0" marR="0" rtl="0" algn="l">
+      <a:defPPr marR="0" lvl="0" algn="l" rtl="0">
         <a:lnSpc>
           <a:spcPct val="100000"/>
         </a:lnSpc>
@@ -4607,7 +4883,7 @@
           <a:spcPts val="0"/>
         </a:spcAft>
       </a:defPPr>
-      <a:lvl1pPr lvl="0" marR="0" rtl="0" algn="l">
+      <a:lvl1pPr marR="0" lvl="0" algn="l" rtl="0">
         <a:lnSpc>
           <a:spcPct val="100000"/>
         </a:lnSpc>
@@ -4618,7 +4894,7 @@
           <a:spcPts val="0"/>
         </a:spcAft>
         <a:buNone/>
-        <a:defRPr b="0" i="0" sz="1400" u="none" cap="none" strike="noStrike">
+        <a:defRPr sz="1400" b="0" i="0" u="none" strike="noStrike" cap="none">
           <a:solidFill>
             <a:srgbClr val="000000"/>
           </a:solidFill>
@@ -4629,7 +4905,7 @@
           <a:rtl val="0"/>
         </a:defRPr>
       </a:lvl1pPr>
-      <a:lvl2pPr lvl="1" marR="0" rtl="0" algn="l">
+      <a:lvl2pPr marR="0" lvl="1" algn="l" rtl="0">
         <a:lnSpc>
           <a:spcPct val="100000"/>
         </a:lnSpc>
@@ -4640,7 +4916,7 @@
           <a:spcPts val="0"/>
         </a:spcAft>
         <a:buNone/>
-        <a:defRPr b="0" i="0" sz="1400" u="none" cap="none" strike="noStrike">
+        <a:defRPr sz="1400" b="0" i="0" u="none" strike="noStrike" cap="none">
           <a:solidFill>
             <a:srgbClr val="000000"/>
           </a:solidFill>
@@ -4651,7 +4927,7 @@
           <a:rtl val="0"/>
         </a:defRPr>
       </a:lvl2pPr>
-      <a:lvl3pPr lvl="2" marR="0" rtl="0" algn="l">
+      <a:lvl3pPr marR="0" lvl="2" algn="l" rtl="0">
         <a:lnSpc>
           <a:spcPct val="100000"/>
         </a:lnSpc>
@@ -4662,7 +4938,7 @@
           <a:spcPts val="0"/>
         </a:spcAft>
         <a:buNone/>
-        <a:defRPr b="0" i="0" sz="1400" u="none" cap="none" strike="noStrike">
+        <a:defRPr sz="1400" b="0" i="0" u="none" strike="noStrike" cap="none">
           <a:solidFill>
             <a:srgbClr val="000000"/>
           </a:solidFill>
@@ -4673,7 +4949,7 @@
           <a:rtl val="0"/>
         </a:defRPr>
       </a:lvl3pPr>
-      <a:lvl4pPr lvl="3" marR="0" rtl="0" algn="l">
+      <a:lvl4pPr marR="0" lvl="3" algn="l" rtl="0">
         <a:lnSpc>
           <a:spcPct val="100000"/>
         </a:lnSpc>
@@ -4684,7 +4960,7 @@
           <a:spcPts val="0"/>
         </a:spcAft>
         <a:buNone/>
-        <a:defRPr b="0" i="0" sz="1400" u="none" cap="none" strike="noStrike">
+        <a:defRPr sz="1400" b="0" i="0" u="none" strike="noStrike" cap="none">
           <a:solidFill>
             <a:srgbClr val="000000"/>
           </a:solidFill>
@@ -4695,7 +4971,7 @@
           <a:rtl val="0"/>
         </a:defRPr>
       </a:lvl4pPr>
-      <a:lvl5pPr lvl="4" marR="0" rtl="0" algn="l">
+      <a:lvl5pPr marR="0" lvl="4" algn="l" rtl="0">
         <a:lnSpc>
           <a:spcPct val="100000"/>
         </a:lnSpc>
@@ -4706,7 +4982,7 @@
           <a:spcPts val="0"/>
         </a:spcAft>
         <a:buNone/>
-        <a:defRPr b="0" i="0" sz="1400" u="none" cap="none" strike="noStrike">
+        <a:defRPr sz="1400" b="0" i="0" u="none" strike="noStrike" cap="none">
           <a:solidFill>
             <a:srgbClr val="000000"/>
           </a:solidFill>
@@ -4717,7 +4993,7 @@
           <a:rtl val="0"/>
         </a:defRPr>
       </a:lvl5pPr>
-      <a:lvl6pPr lvl="5" marR="0" rtl="0" algn="l">
+      <a:lvl6pPr marR="0" lvl="5" algn="l" rtl="0">
         <a:lnSpc>
           <a:spcPct val="100000"/>
         </a:lnSpc>
@@ -4728,7 +5004,7 @@
           <a:spcPts val="0"/>
         </a:spcAft>
         <a:buNone/>
-        <a:defRPr b="0" i="0" sz="1400" u="none" cap="none" strike="noStrike">
+        <a:defRPr sz="1400" b="0" i="0" u="none" strike="noStrike" cap="none">
           <a:solidFill>
             <a:srgbClr val="000000"/>
           </a:solidFill>
@@ -4739,7 +5015,7 @@
           <a:rtl val="0"/>
         </a:defRPr>
       </a:lvl6pPr>
-      <a:lvl7pPr lvl="6" marR="0" rtl="0" algn="l">
+      <a:lvl7pPr marR="0" lvl="6" algn="l" rtl="0">
         <a:lnSpc>
           <a:spcPct val="100000"/>
         </a:lnSpc>
@@ -4750,7 +5026,7 @@
           <a:spcPts val="0"/>
         </a:spcAft>
         <a:buNone/>
-        <a:defRPr b="0" i="0" sz="1400" u="none" cap="none" strike="noStrike">
+        <a:defRPr sz="1400" b="0" i="0" u="none" strike="noStrike" cap="none">
           <a:solidFill>
             <a:srgbClr val="000000"/>
           </a:solidFill>
@@ -4761,7 +5037,7 @@
           <a:rtl val="0"/>
         </a:defRPr>
       </a:lvl7pPr>
-      <a:lvl8pPr lvl="7" marR="0" rtl="0" algn="l">
+      <a:lvl8pPr marR="0" lvl="7" algn="l" rtl="0">
         <a:lnSpc>
           <a:spcPct val="100000"/>
         </a:lnSpc>
@@ -4772,7 +5048,7 @@
           <a:spcPts val="0"/>
         </a:spcAft>
         <a:buNone/>
-        <a:defRPr b="0" i="0" sz="1400" u="none" cap="none" strike="noStrike">
+        <a:defRPr sz="1400" b="0" i="0" u="none" strike="noStrike" cap="none">
           <a:solidFill>
             <a:srgbClr val="000000"/>
           </a:solidFill>
@@ -4783,7 +5059,7 @@
           <a:rtl val="0"/>
         </a:defRPr>
       </a:lvl8pPr>
-      <a:lvl9pPr lvl="8" marR="0" rtl="0" algn="l">
+      <a:lvl9pPr marR="0" lvl="8" algn="l" rtl="0">
         <a:lnSpc>
           <a:spcPct val="100000"/>
         </a:lnSpc>
@@ -4794,7 +5070,7 @@
           <a:spcPts val="0"/>
         </a:spcAft>
         <a:buNone/>
-        <a:defRPr b="0" i="0" sz="1400" u="none" cap="none" strike="noStrike">
+        <a:defRPr sz="1400" b="0" i="0" u="none" strike="noStrike" cap="none">
           <a:solidFill>
             <a:srgbClr val="000000"/>
           </a:solidFill>
@@ -4810,12 +5086,12 @@
 </p:sldMaster>
 </file>
 
-<file path=ppt/slides/slide.xml><?xml version="1.0" encoding="utf-8"?>
-<p:sld xmlns:a="http://schemas.openxmlformats.org/drawingml/2006/main" xmlns:r="http://schemas.openxmlformats.org/officeDocument/2006/relationships" xmlns:mc="http://schemas.openxmlformats.org/markup-compatibility/2006" xmlns:mv="urn:schemas-microsoft-com:mac:vml" xmlns:p="http://schemas.openxmlformats.org/presentationml/2006/main" xmlns:c="http://schemas.openxmlformats.org/drawingml/2006/chart" xmlns:dgm="http://schemas.openxmlformats.org/drawingml/2006/diagram" xmlns:o="urn:schemas-microsoft-com:office:office" xmlns:v="urn:schemas-microsoft-com:vml" xmlns:pvml="urn:schemas-microsoft-com:office:powerpoint" xmlns:com="http://schemas.openxmlformats.org/drawingml/2006/compatibility" xmlns:p14="http://schemas.microsoft.com/office/powerpoint/2010/main">
+<file path=ppt/slides/slide1.xml><?xml version="1.0" encoding="utf-8"?>
+<p:sld xmlns:a="http://schemas.openxmlformats.org/drawingml/2006/main" xmlns:r="http://schemas.openxmlformats.org/officeDocument/2006/relationships" xmlns:p="http://schemas.openxmlformats.org/presentationml/2006/main">
   <p:cSld>
     <p:spTree>
       <p:nvGrpSpPr>
-        <p:cNvPr id="58" name="Shape 58"/>
+        <p:cNvPr id="1" name="Shape 58"/>
         <p:cNvGrpSpPr/>
         <p:nvPr/>
       </p:nvGrpSpPr>
@@ -4830,7 +5106,9 @@
       <p:sp>
         <p:nvSpPr>
           <p:cNvPr id="59" name="Shape 59"/>
-          <p:cNvSpPr txBox="1"/>
+          <p:cNvSpPr txBox="1">
+            <a:spLocks noGrp="1"/>
+          </p:cNvSpPr>
           <p:nvPr>
             <p:ph type="ctrTitle"/>
           </p:nvPr>
@@ -4845,7 +5123,7 @@
           </a:prstGeom>
         </p:spPr>
         <p:txBody>
-          <a:bodyPr anchorCtr="0" anchor="b" bIns="91425" lIns="91425" rIns="91425" tIns="91425">
+          <a:bodyPr lIns="91425" tIns="91425" rIns="91425" bIns="91425" anchor="b" anchorCtr="0">
             <a:noAutofit/>
           </a:bodyPr>
           <a:lstStyle/>
@@ -4866,9 +5144,11 @@
       <p:sp>
         <p:nvSpPr>
           <p:cNvPr id="60" name="Shape 60"/>
-          <p:cNvSpPr txBox="1"/>
+          <p:cNvSpPr txBox="1">
+            <a:spLocks noGrp="1"/>
+          </p:cNvSpPr>
           <p:nvPr>
-            <p:ph idx="1" type="subTitle"/>
+            <p:ph type="subTitle" idx="1"/>
           </p:nvPr>
         </p:nvSpPr>
         <p:spPr>
@@ -4881,7 +5161,7 @@
           </a:prstGeom>
         </p:spPr>
         <p:txBody>
-          <a:bodyPr anchorCtr="0" anchor="t" bIns="91425" lIns="91425" rIns="91425" tIns="91425">
+          <a:bodyPr lIns="91425" tIns="91425" rIns="91425" bIns="91425" anchor="t" anchorCtr="0">
             <a:noAutofit/>
           </a:bodyPr>
           <a:lstStyle/>
@@ -4916,9 +5196,6 @@
               </a:spcBef>
               <a:buNone/>
             </a:pPr>
-            <a:r>
-              <a:t/>
-            </a:r>
             <a:endParaRPr/>
           </a:p>
         </p:txBody>
@@ -4928,18 +5205,18 @@
   <p:clrMapOvr>
     <a:masterClrMapping/>
   </p:clrMapOvr>
-  <p:transition spd="slow">
+  <p:transition xmlns:p14="http://schemas.microsoft.com/office/powerpoint/2010/main" spd="slow">
     <p:cut/>
   </p:transition>
 </p:sld>
 </file>
 
-<file path=ppt/slides/slide1.xml><?xml version="1.0" encoding="utf-8"?>
-<p:sld xmlns:a="http://schemas.openxmlformats.org/drawingml/2006/main" xmlns:r="http://schemas.openxmlformats.org/officeDocument/2006/relationships" xmlns:mc="http://schemas.openxmlformats.org/markup-compatibility/2006" xmlns:mv="urn:schemas-microsoft-com:mac:vml" xmlns:p="http://schemas.openxmlformats.org/presentationml/2006/main" xmlns:c="http://schemas.openxmlformats.org/drawingml/2006/chart" xmlns:dgm="http://schemas.openxmlformats.org/drawingml/2006/diagram" xmlns:o="urn:schemas-microsoft-com:office:office" xmlns:v="urn:schemas-microsoft-com:vml" xmlns:pvml="urn:schemas-microsoft-com:office:powerpoint" xmlns:com="http://schemas.openxmlformats.org/drawingml/2006/compatibility" xmlns:p14="http://schemas.microsoft.com/office/powerpoint/2010/main">
+<file path=ppt/slides/slide2.xml><?xml version="1.0" encoding="utf-8"?>
+<p:sld xmlns:a="http://schemas.openxmlformats.org/drawingml/2006/main" xmlns:r="http://schemas.openxmlformats.org/officeDocument/2006/relationships" xmlns:p="http://schemas.openxmlformats.org/presentationml/2006/main">
   <p:cSld>
     <p:spTree>
       <p:nvGrpSpPr>
-        <p:cNvPr id="64" name="Shape 64"/>
+        <p:cNvPr id="1" name="Shape 64"/>
         <p:cNvGrpSpPr/>
         <p:nvPr/>
       </p:nvGrpSpPr>
@@ -4971,7 +5248,7 @@
           </a:ln>
         </p:spPr>
         <p:txBody>
-          <a:bodyPr anchorCtr="0" anchor="t" bIns="91425" lIns="91425" rIns="91425" tIns="91425">
+          <a:bodyPr lIns="91425" tIns="91425" rIns="91425" bIns="91425" anchor="t" anchorCtr="0">
             <a:noAutofit/>
           </a:bodyPr>
           <a:lstStyle/>
@@ -4982,9 +5259,6 @@
               </a:spcBef>
               <a:buNone/>
             </a:pPr>
-            <a:r>
-              <a:t/>
-            </a:r>
             <a:endParaRPr/>
           </a:p>
         </p:txBody>
@@ -5009,7 +5283,7 @@
           </a:ln>
         </p:spPr>
         <p:txBody>
-          <a:bodyPr anchorCtr="0" anchor="t" bIns="91425" lIns="91425" rIns="91425" tIns="91425">
+          <a:bodyPr lIns="91425" tIns="91425" rIns="91425" bIns="91425" anchor="t" anchorCtr="0">
             <a:noAutofit/>
           </a:bodyPr>
           <a:lstStyle/>
@@ -5051,7 +5325,7 @@
           </a:ln>
         </p:spPr>
         <p:txBody>
-          <a:bodyPr anchorCtr="0" anchor="t" bIns="91425" lIns="91425" rIns="91425" tIns="91425">
+          <a:bodyPr lIns="91425" tIns="91425" rIns="91425" bIns="91425" anchor="t" anchorCtr="0">
             <a:noAutofit/>
           </a:bodyPr>
           <a:lstStyle/>
@@ -5093,7 +5367,7 @@
           </a:ln>
         </p:spPr>
         <p:txBody>
-          <a:bodyPr anchorCtr="0" anchor="t" bIns="91425" lIns="91425" rIns="91425" tIns="91425">
+          <a:bodyPr lIns="91425" tIns="91425" rIns="91425" bIns="91425" anchor="t" anchorCtr="0">
             <a:noAutofit/>
           </a:bodyPr>
           <a:lstStyle/>
@@ -5135,7 +5409,7 @@
           </a:ln>
         </p:spPr>
         <p:txBody>
-          <a:bodyPr anchorCtr="0" anchor="t" bIns="91425" lIns="91425" rIns="91425" tIns="91425">
+          <a:bodyPr lIns="91425" tIns="91425" rIns="91425" bIns="91425" anchor="t" anchorCtr="0">
             <a:noAutofit/>
           </a:bodyPr>
           <a:lstStyle/>
@@ -5177,7 +5451,7 @@
           </a:ln>
         </p:spPr>
         <p:txBody>
-          <a:bodyPr anchorCtr="0" anchor="t" bIns="91425" lIns="91425" rIns="91425" tIns="91425">
+          <a:bodyPr lIns="91425" tIns="91425" rIns="91425" bIns="91425" anchor="t" anchorCtr="0">
             <a:noAutofit/>
           </a:bodyPr>
           <a:lstStyle/>
@@ -5219,7 +5493,7 @@
           </a:ln>
         </p:spPr>
         <p:txBody>
-          <a:bodyPr anchorCtr="0" anchor="t" bIns="91425" lIns="91425" rIns="91425" tIns="91425">
+          <a:bodyPr lIns="91425" tIns="91425" rIns="91425" bIns="91425" anchor="t" anchorCtr="0">
             <a:noAutofit/>
           </a:bodyPr>
           <a:lstStyle/>
@@ -5261,7 +5535,7 @@
           </a:ln>
         </p:spPr>
         <p:txBody>
-          <a:bodyPr anchorCtr="0" anchor="t" bIns="91425" lIns="91425" rIns="91425" tIns="91425">
+          <a:bodyPr lIns="91425" tIns="91425" rIns="91425" bIns="91425" anchor="t" anchorCtr="0">
             <a:noAutofit/>
           </a:bodyPr>
           <a:lstStyle/>
@@ -5288,18 +5562,18 @@
   <p:clrMapOvr>
     <a:masterClrMapping/>
   </p:clrMapOvr>
-  <p:transition spd="slow">
+  <p:transition xmlns:p14="http://schemas.microsoft.com/office/powerpoint/2010/main" spd="slow">
     <p:cut/>
   </p:transition>
 </p:sld>
 </file>
 
-<file path=ppt/slides/slide2.xml><?xml version="1.0" encoding="utf-8"?>
-<p:sld xmlns:a="http://schemas.openxmlformats.org/drawingml/2006/main" xmlns:r="http://schemas.openxmlformats.org/officeDocument/2006/relationships" xmlns:mc="http://schemas.openxmlformats.org/markup-compatibility/2006" xmlns:mv="urn:schemas-microsoft-com:mac:vml" xmlns:p="http://schemas.openxmlformats.org/presentationml/2006/main" xmlns:c="http://schemas.openxmlformats.org/drawingml/2006/chart" xmlns:dgm="http://schemas.openxmlformats.org/drawingml/2006/diagram" xmlns:o="urn:schemas-microsoft-com:office:office" xmlns:v="urn:schemas-microsoft-com:vml" xmlns:pvml="urn:schemas-microsoft-com:office:powerpoint" xmlns:com="http://schemas.openxmlformats.org/drawingml/2006/compatibility" xmlns:p14="http://schemas.microsoft.com/office/powerpoint/2010/main">
+<file path=ppt/slides/slide3.xml><?xml version="1.0" encoding="utf-8"?>
+<p:sld xmlns:a="http://schemas.openxmlformats.org/drawingml/2006/main" xmlns:r="http://schemas.openxmlformats.org/officeDocument/2006/relationships" xmlns:p="http://schemas.openxmlformats.org/presentationml/2006/main">
   <p:cSld>
     <p:spTree>
       <p:nvGrpSpPr>
-        <p:cNvPr id="76" name="Shape 76"/>
+        <p:cNvPr id="1" name="Shape 76"/>
         <p:cNvGrpSpPr/>
         <p:nvPr/>
       </p:nvGrpSpPr>
@@ -5344,18 +5618,18 @@
   <p:clrMapOvr>
     <a:masterClrMapping/>
   </p:clrMapOvr>
-  <p:transition spd="slow">
+  <p:transition xmlns:p14="http://schemas.microsoft.com/office/powerpoint/2010/main" spd="slow">
     <p:cut/>
   </p:transition>
 </p:sld>
 </file>
 
-<file path=ppt/slides/slide3.xml><?xml version="1.0" encoding="utf-8"?>
-<p:sld xmlns:a="http://schemas.openxmlformats.org/drawingml/2006/main" xmlns:r="http://schemas.openxmlformats.org/officeDocument/2006/relationships" xmlns:mc="http://schemas.openxmlformats.org/markup-compatibility/2006" xmlns:mv="urn:schemas-microsoft-com:mac:vml" xmlns:p="http://schemas.openxmlformats.org/presentationml/2006/main" xmlns:c="http://schemas.openxmlformats.org/drawingml/2006/chart" xmlns:dgm="http://schemas.openxmlformats.org/drawingml/2006/diagram" xmlns:o="urn:schemas-microsoft-com:office:office" xmlns:v="urn:schemas-microsoft-com:vml" xmlns:pvml="urn:schemas-microsoft-com:office:powerpoint" xmlns:com="http://schemas.openxmlformats.org/drawingml/2006/compatibility" xmlns:p14="http://schemas.microsoft.com/office/powerpoint/2010/main">
+<file path=ppt/slides/slide4.xml><?xml version="1.0" encoding="utf-8"?>
+<p:sld xmlns:a="http://schemas.openxmlformats.org/drawingml/2006/main" xmlns:r="http://schemas.openxmlformats.org/officeDocument/2006/relationships" xmlns:p="http://schemas.openxmlformats.org/presentationml/2006/main">
   <p:cSld>
     <p:spTree>
       <p:nvGrpSpPr>
-        <p:cNvPr id="81" name="Shape 81"/>
+        <p:cNvPr id="1" name="Shape 81"/>
         <p:cNvGrpSpPr/>
         <p:nvPr/>
       </p:nvGrpSpPr>
@@ -5400,18 +5674,18 @@
   <p:clrMapOvr>
     <a:masterClrMapping/>
   </p:clrMapOvr>
-  <p:transition spd="slow">
+  <p:transition xmlns:p14="http://schemas.microsoft.com/office/powerpoint/2010/main" spd="slow">
     <p:cut/>
   </p:transition>
 </p:sld>
 </file>
 
-<file path=ppt/slides/slide4.xml><?xml version="1.0" encoding="utf-8"?>
-<p:sld xmlns:a="http://schemas.openxmlformats.org/drawingml/2006/main" xmlns:r="http://schemas.openxmlformats.org/officeDocument/2006/relationships" xmlns:mc="http://schemas.openxmlformats.org/markup-compatibility/2006" xmlns:mv="urn:schemas-microsoft-com:mac:vml" xmlns:p="http://schemas.openxmlformats.org/presentationml/2006/main" xmlns:c="http://schemas.openxmlformats.org/drawingml/2006/chart" xmlns:dgm="http://schemas.openxmlformats.org/drawingml/2006/diagram" xmlns:o="urn:schemas-microsoft-com:office:office" xmlns:v="urn:schemas-microsoft-com:vml" xmlns:pvml="urn:schemas-microsoft-com:office:powerpoint" xmlns:com="http://schemas.openxmlformats.org/drawingml/2006/compatibility" xmlns:p14="http://schemas.microsoft.com/office/powerpoint/2010/main">
+<file path=ppt/slides/slide5.xml><?xml version="1.0" encoding="utf-8"?>
+<p:sld xmlns:a="http://schemas.openxmlformats.org/drawingml/2006/main" xmlns:r="http://schemas.openxmlformats.org/officeDocument/2006/relationships" xmlns:p="http://schemas.openxmlformats.org/presentationml/2006/main">
   <p:cSld>
     <p:spTree>
       <p:nvGrpSpPr>
-        <p:cNvPr id="86" name="Shape 86"/>
+        <p:cNvPr id="1" name="Shape 86"/>
         <p:cNvGrpSpPr/>
         <p:nvPr/>
       </p:nvGrpSpPr>
@@ -5426,7 +5700,9 @@
       <p:sp>
         <p:nvSpPr>
           <p:cNvPr id="87" name="Shape 87"/>
-          <p:cNvSpPr txBox="1"/>
+          <p:cNvSpPr txBox="1">
+            <a:spLocks noGrp="1"/>
+          </p:cNvSpPr>
           <p:nvPr>
             <p:ph type="title"/>
           </p:nvPr>
@@ -5441,7 +5717,7 @@
           </a:prstGeom>
         </p:spPr>
         <p:txBody>
-          <a:bodyPr anchorCtr="0" anchor="t" bIns="91425" lIns="91425" rIns="91425" tIns="91425">
+          <a:bodyPr lIns="91425" tIns="91425" rIns="91425" bIns="91425" anchor="t" anchorCtr="0">
             <a:noAutofit/>
           </a:bodyPr>
           <a:lstStyle/>
@@ -5462,9 +5738,11 @@
       <p:sp>
         <p:nvSpPr>
           <p:cNvPr id="88" name="Shape 88"/>
-          <p:cNvSpPr txBox="1"/>
+          <p:cNvSpPr txBox="1">
+            <a:spLocks noGrp="1"/>
+          </p:cNvSpPr>
           <p:nvPr>
-            <p:ph idx="1" type="body"/>
+            <p:ph type="body" idx="1"/>
           </p:nvPr>
         </p:nvSpPr>
         <p:spPr>
@@ -5477,62 +5755,62 @@
           </a:prstGeom>
         </p:spPr>
         <p:txBody>
-          <a:bodyPr anchorCtr="0" anchor="t" bIns="91425" lIns="91425" rIns="91425" tIns="91425">
+          <a:bodyPr lIns="91425" tIns="91425" rIns="91425" bIns="91425" anchor="t" anchorCtr="0">
             <a:noAutofit/>
           </a:bodyPr>
           <a:lstStyle/>
           <a:p>
-            <a:pPr indent="-228600" lvl="0" marL="457200" rtl="0">
+            <a:pPr marL="457200" lvl="0" indent="-228600" rtl="0">
               <a:spcBef>
                 <a:spcPts val="0"/>
               </a:spcBef>
             </a:pPr>
             <a:r>
-              <a:rPr lang="en"/>
+              <a:rPr lang="en" dirty="0"/>
               <a:t>Knowledge of options</a:t>
             </a:r>
           </a:p>
           <a:p>
-            <a:pPr indent="-228600" lvl="0" marL="457200" rtl="0">
+            <a:pPr marL="457200" lvl="0" indent="-228600" rtl="0">
               <a:spcBef>
                 <a:spcPts val="0"/>
               </a:spcBef>
             </a:pPr>
             <a:r>
-              <a:rPr lang="en"/>
+              <a:rPr lang="en" dirty="0"/>
               <a:t>Accessibility and transparency of information</a:t>
             </a:r>
           </a:p>
           <a:p>
-            <a:pPr indent="-228600" lvl="0" marL="457200" rtl="0">
+            <a:pPr marL="457200" lvl="0" indent="-228600" rtl="0">
               <a:spcBef>
                 <a:spcPts val="0"/>
               </a:spcBef>
             </a:pPr>
             <a:r>
-              <a:rPr lang="en"/>
+              <a:rPr lang="en" dirty="0"/>
               <a:t>Variety of metrics</a:t>
             </a:r>
           </a:p>
           <a:p>
-            <a:pPr indent="-228600" lvl="0" marL="457200" rtl="0">
+            <a:pPr marL="457200" lvl="0" indent="-228600" rtl="0">
               <a:spcBef>
                 <a:spcPts val="0"/>
               </a:spcBef>
             </a:pPr>
             <a:r>
-              <a:rPr lang="en"/>
+              <a:rPr lang="en" dirty="0"/>
               <a:t>Comprehensive - everything in one place</a:t>
             </a:r>
           </a:p>
           <a:p>
-            <a:pPr indent="-228600" lvl="0" marL="457200" rtl="0">
+            <a:pPr marL="457200" lvl="0" indent="-228600" rtl="0">
               <a:spcBef>
                 <a:spcPts val="0"/>
               </a:spcBef>
             </a:pPr>
             <a:r>
-              <a:rPr lang="en"/>
+              <a:rPr lang="en" dirty="0"/>
               <a:t>User-friendly</a:t>
             </a:r>
           </a:p>
@@ -5543,30 +5821,269 @@
               </a:spcBef>
               <a:buNone/>
             </a:pPr>
-            <a:r>
-              <a:t/>
-            </a:r>
-            <a:endParaRPr/>
+            <a:endParaRPr dirty="0"/>
           </a:p>
         </p:txBody>
       </p:sp>
+      <p:pic>
+        <p:nvPicPr>
+          <p:cNvPr id="2" name="Picture 1" descr="Screen Shot 2016-01-28 at 4.12.36 PM.png"/>
+          <p:cNvPicPr>
+            <a:picLocks noChangeAspect="1"/>
+          </p:cNvPicPr>
+          <p:nvPr/>
+        </p:nvPicPr>
+        <p:blipFill>
+          <a:blip r:embed="rId3">
+            <a:extLst>
+              <a:ext uri="{28A0092B-C50C-407E-A947-70E740481C1C}">
+                <a14:useLocalDpi xmlns:a14="http://schemas.microsoft.com/office/drawing/2010/main" val="0"/>
+              </a:ext>
+            </a:extLst>
+          </a:blip>
+          <a:stretch>
+            <a:fillRect/>
+          </a:stretch>
+        </p:blipFill>
+        <p:spPr>
+          <a:xfrm>
+            <a:off x="3718235" y="3202719"/>
+            <a:ext cx="4850868" cy="1621740"/>
+          </a:xfrm>
+          <a:prstGeom prst="rect">
+            <a:avLst/>
+          </a:prstGeom>
+        </p:spPr>
+      </p:pic>
+      <p:pic>
+        <p:nvPicPr>
+          <p:cNvPr id="3" name="Picture 2" descr="Screen Shot 2016-01-28 at 4.10.47 PM.png"/>
+          <p:cNvPicPr>
+            <a:picLocks noChangeAspect="1"/>
+          </p:cNvPicPr>
+          <p:nvPr/>
+        </p:nvPicPr>
+        <p:blipFill>
+          <a:blip r:embed="rId4">
+            <a:extLst>
+              <a:ext uri="{28A0092B-C50C-407E-A947-70E740481C1C}">
+                <a14:useLocalDpi xmlns:a14="http://schemas.microsoft.com/office/drawing/2010/main" val="0"/>
+              </a:ext>
+            </a:extLst>
+          </a:blip>
+          <a:stretch>
+            <a:fillRect/>
+          </a:stretch>
+        </p:blipFill>
+        <p:spPr>
+          <a:xfrm>
+            <a:off x="5484919" y="343280"/>
+            <a:ext cx="3244355" cy="1785065"/>
+          </a:xfrm>
+          <a:prstGeom prst="rect">
+            <a:avLst/>
+          </a:prstGeom>
+        </p:spPr>
+      </p:pic>
     </p:spTree>
   </p:cSld>
   <p:clrMapOvr>
     <a:masterClrMapping/>
   </p:clrMapOvr>
-  <p:transition spd="slow">
+  <p:transition xmlns:p14="http://schemas.microsoft.com/office/powerpoint/2010/main" spd="slow">
     <p:cut/>
   </p:transition>
 </p:sld>
 </file>
 
-<file path=ppt/slides/slide5.xml><?xml version="1.0" encoding="utf-8"?>
-<p:sld xmlns:a="http://schemas.openxmlformats.org/drawingml/2006/main" xmlns:r="http://schemas.openxmlformats.org/officeDocument/2006/relationships" xmlns:mc="http://schemas.openxmlformats.org/markup-compatibility/2006" xmlns:mv="urn:schemas-microsoft-com:mac:vml" xmlns:p="http://schemas.openxmlformats.org/presentationml/2006/main" xmlns:c="http://schemas.openxmlformats.org/drawingml/2006/chart" xmlns:dgm="http://schemas.openxmlformats.org/drawingml/2006/diagram" xmlns:o="urn:schemas-microsoft-com:office:office" xmlns:v="urn:schemas-microsoft-com:vml" xmlns:pvml="urn:schemas-microsoft-com:office:powerpoint" xmlns:com="http://schemas.openxmlformats.org/drawingml/2006/compatibility" xmlns:p14="http://schemas.microsoft.com/office/powerpoint/2010/main">
+<file path=ppt/slides/slide6.xml><?xml version="1.0" encoding="utf-8"?>
+<p:sld xmlns:a="http://schemas.openxmlformats.org/drawingml/2006/main" xmlns:r="http://schemas.openxmlformats.org/officeDocument/2006/relationships" xmlns:p="http://schemas.openxmlformats.org/presentationml/2006/main">
   <p:cSld>
     <p:spTree>
       <p:nvGrpSpPr>
-        <p:cNvPr id="92" name="Shape 92"/>
+        <p:cNvPr id="1" name="Shape 99"/>
+        <p:cNvGrpSpPr/>
+        <p:nvPr/>
+      </p:nvGrpSpPr>
+      <p:grpSpPr>
+        <a:xfrm>
+          <a:off x="0" y="0"/>
+          <a:ext cx="0" cy="0"/>
+          <a:chOff x="0" y="0"/>
+          <a:chExt cx="0" cy="0"/>
+        </a:xfrm>
+      </p:grpSpPr>
+      <p:sp>
+        <p:nvSpPr>
+          <p:cNvPr id="100" name="Shape 100"/>
+          <p:cNvSpPr txBox="1">
+            <a:spLocks noGrp="1"/>
+          </p:cNvSpPr>
+          <p:nvPr>
+            <p:ph type="title"/>
+          </p:nvPr>
+        </p:nvSpPr>
+        <p:spPr>
+          <a:xfrm>
+            <a:off x="311700" y="445025"/>
+            <a:ext cx="8520599" cy="572699"/>
+          </a:xfrm>
+          <a:prstGeom prst="rect">
+            <a:avLst/>
+          </a:prstGeom>
+        </p:spPr>
+        <p:txBody>
+          <a:bodyPr lIns="91425" tIns="91425" rIns="91425" bIns="91425" anchor="t" anchorCtr="0">
+            <a:noAutofit/>
+          </a:bodyPr>
+          <a:lstStyle/>
+          <a:p>
+            <a:pPr lvl="0">
+              <a:spcBef>
+                <a:spcPts val="0"/>
+              </a:spcBef>
+              <a:buNone/>
+            </a:pPr>
+            <a:r>
+              <a:rPr lang="en"/>
+              <a:t>Data Sources</a:t>
+            </a:r>
+          </a:p>
+        </p:txBody>
+      </p:sp>
+      <p:sp>
+        <p:nvSpPr>
+          <p:cNvPr id="101" name="Shape 101"/>
+          <p:cNvSpPr txBox="1">
+            <a:spLocks noGrp="1"/>
+          </p:cNvSpPr>
+          <p:nvPr>
+            <p:ph type="body" idx="1"/>
+          </p:nvPr>
+        </p:nvSpPr>
+        <p:spPr>
+          <a:xfrm>
+            <a:off x="311700" y="1152475"/>
+            <a:ext cx="8520599" cy="3416400"/>
+          </a:xfrm>
+          <a:prstGeom prst="rect">
+            <a:avLst/>
+          </a:prstGeom>
+        </p:spPr>
+        <p:txBody>
+          <a:bodyPr lIns="91425" tIns="91425" rIns="91425" bIns="91425" anchor="t" anchorCtr="0">
+            <a:noAutofit/>
+          </a:bodyPr>
+          <a:lstStyle/>
+          <a:p>
+            <a:pPr marL="457200" lvl="0" indent="-228600" rtl="0">
+              <a:spcBef>
+                <a:spcPts val="0"/>
+              </a:spcBef>
+            </a:pPr>
+            <a:r>
+              <a:rPr lang="en"/>
+              <a:t>Chicago Public Schools website</a:t>
+            </a:r>
+          </a:p>
+          <a:p>
+            <a:pPr marL="457200" lvl="0" indent="-228600" rtl="0">
+              <a:spcBef>
+                <a:spcPts val="0"/>
+              </a:spcBef>
+            </a:pPr>
+            <a:r>
+              <a:rPr lang="en"/>
+              <a:t>Chicago Magazine</a:t>
+            </a:r>
+          </a:p>
+          <a:p>
+            <a:pPr marL="457200" lvl="0" indent="-228600">
+              <a:spcBef>
+                <a:spcPts val="0"/>
+              </a:spcBef>
+            </a:pPr>
+            <a:r>
+              <a:rPr lang="en"/>
+              <a:t>Google Maps API</a:t>
+            </a:r>
+          </a:p>
+        </p:txBody>
+      </p:sp>
+      <p:pic>
+        <p:nvPicPr>
+          <p:cNvPr id="102" name="Shape 102"/>
+          <p:cNvPicPr preferRelativeResize="0"/>
+          <p:nvPr/>
+        </p:nvPicPr>
+        <p:blipFill rotWithShape="1">
+          <a:blip r:embed="rId3">
+            <a:alphaModFix/>
+          </a:blip>
+          <a:srcRect r="9033"/>
+          <a:stretch/>
+        </p:blipFill>
+        <p:spPr>
+          <a:xfrm>
+            <a:off x="4244509" y="347584"/>
+            <a:ext cx="4507705" cy="2158370"/>
+          </a:xfrm>
+          <a:prstGeom prst="rect">
+            <a:avLst/>
+          </a:prstGeom>
+          <a:noFill/>
+          <a:ln>
+            <a:noFill/>
+          </a:ln>
+        </p:spPr>
+      </p:pic>
+      <p:pic>
+        <p:nvPicPr>
+          <p:cNvPr id="2" name="Picture 1" descr="Screen Shot 2016-01-28 at 4.08.12 PM.png"/>
+          <p:cNvPicPr>
+            <a:picLocks noChangeAspect="1"/>
+          </p:cNvPicPr>
+          <p:nvPr/>
+        </p:nvPicPr>
+        <p:blipFill>
+          <a:blip r:embed="rId4">
+            <a:extLst>
+              <a:ext uri="{28A0092B-C50C-407E-A947-70E740481C1C}">
+                <a14:useLocalDpi xmlns:a14="http://schemas.microsoft.com/office/drawing/2010/main" val="0"/>
+              </a:ext>
+            </a:extLst>
+          </a:blip>
+          <a:stretch>
+            <a:fillRect/>
+          </a:stretch>
+        </p:blipFill>
+        <p:spPr>
+          <a:xfrm>
+            <a:off x="2737450" y="2631825"/>
+            <a:ext cx="4816287" cy="2202721"/>
+          </a:xfrm>
+          <a:prstGeom prst="rect">
+            <a:avLst/>
+          </a:prstGeom>
+        </p:spPr>
+      </p:pic>
+    </p:spTree>
+  </p:cSld>
+  <p:clrMapOvr>
+    <a:masterClrMapping/>
+  </p:clrMapOvr>
+  <p:transition xmlns:p14="http://schemas.microsoft.com/office/powerpoint/2010/main" spd="slow">
+    <p:cut/>
+  </p:transition>
+</p:sld>
+</file>
+
+<file path=ppt/slides/slide7.xml><?xml version="1.0" encoding="utf-8"?>
+<p:sld xmlns:a="http://schemas.openxmlformats.org/drawingml/2006/main" xmlns:r="http://schemas.openxmlformats.org/officeDocument/2006/relationships" xmlns:p="http://schemas.openxmlformats.org/presentationml/2006/main">
+  <p:cSld>
+    <p:spTree>
+      <p:nvGrpSpPr>
+        <p:cNvPr id="1" name="Shape 92"/>
         <p:cNvGrpSpPr/>
         <p:nvPr/>
       </p:nvGrpSpPr>
@@ -5581,7 +6098,9 @@
       <p:sp>
         <p:nvSpPr>
           <p:cNvPr id="93" name="Shape 93"/>
-          <p:cNvSpPr txBox="1"/>
+          <p:cNvSpPr txBox="1">
+            <a:spLocks noGrp="1"/>
+          </p:cNvSpPr>
           <p:nvPr>
             <p:ph type="title"/>
           </p:nvPr>
@@ -5596,7 +6115,7 @@
           </a:prstGeom>
         </p:spPr>
         <p:txBody>
-          <a:bodyPr anchorCtr="0" anchor="t" bIns="91425" lIns="91425" rIns="91425" tIns="91425">
+          <a:bodyPr lIns="91425" tIns="91425" rIns="91425" bIns="91425" anchor="t" anchorCtr="0">
             <a:noAutofit/>
           </a:bodyPr>
           <a:lstStyle/>
@@ -5617,9 +6136,11 @@
       <p:sp>
         <p:nvSpPr>
           <p:cNvPr id="94" name="Shape 94"/>
-          <p:cNvSpPr txBox="1"/>
+          <p:cNvSpPr txBox="1">
+            <a:spLocks noGrp="1"/>
+          </p:cNvSpPr>
           <p:nvPr>
-            <p:ph idx="1" type="body"/>
+            <p:ph type="body" idx="1"/>
           </p:nvPr>
         </p:nvSpPr>
         <p:spPr>
@@ -5632,7 +6153,7 @@
           </a:prstGeom>
         </p:spPr>
         <p:txBody>
-          <a:bodyPr anchorCtr="0" anchor="t" bIns="91425" lIns="91425" rIns="91425" tIns="91425">
+          <a:bodyPr lIns="91425" tIns="91425" rIns="91425" bIns="91425" anchor="t" anchorCtr="0">
             <a:noAutofit/>
           </a:bodyPr>
           <a:lstStyle/>
@@ -5649,7 +6170,7 @@
             </a:r>
           </a:p>
           <a:p>
-            <a:pPr indent="-228600" lvl="0" marL="457200" rtl="0">
+            <a:pPr marL="457200" lvl="0" indent="-228600" rtl="0">
               <a:spcBef>
                 <a:spcPts val="0"/>
               </a:spcBef>
@@ -5660,7 +6181,7 @@
             </a:r>
           </a:p>
           <a:p>
-            <a:pPr indent="-228600" lvl="0" marL="457200" rtl="0">
+            <a:pPr marL="457200" lvl="0" indent="-228600" rtl="0">
               <a:spcBef>
                 <a:spcPts val="0"/>
               </a:spcBef>
@@ -5671,7 +6192,7 @@
             </a:r>
           </a:p>
           <a:p>
-            <a:pPr indent="-228600" lvl="0" marL="457200" rtl="0">
+            <a:pPr marL="457200" lvl="0" indent="-228600" rtl="0">
               <a:spcBef>
                 <a:spcPts val="0"/>
               </a:spcBef>
@@ -5688,9 +6209,6 @@
               </a:spcBef>
               <a:buNone/>
             </a:pPr>
-            <a:r>
-              <a:t/>
-            </a:r>
             <a:endParaRPr/>
           </a:p>
           <a:p>
@@ -5700,9 +6218,6 @@
               </a:spcBef>
               <a:buNone/>
             </a:pPr>
-            <a:r>
-              <a:t/>
-            </a:r>
             <a:endParaRPr/>
           </a:p>
         </p:txBody>
@@ -5727,7 +6242,7 @@
           </a:ln>
         </p:spPr>
         <p:txBody>
-          <a:bodyPr anchorCtr="0" anchor="ctr" bIns="91425" lIns="91425" rIns="91425" tIns="91425">
+          <a:bodyPr lIns="91425" tIns="91425" rIns="91425" bIns="91425" anchor="ctr" anchorCtr="0">
             <a:noAutofit/>
           </a:bodyPr>
           <a:lstStyle/>
@@ -5758,7 +6273,7 @@
             </a:r>
           </a:p>
           <a:p>
-            <a:pPr indent="-342900" lvl="0" marL="457200" rtl="0">
+            <a:pPr marL="457200" lvl="0" indent="-342900" rtl="0">
               <a:lnSpc>
                 <a:spcPct val="115000"/>
               </a:lnSpc>
@@ -5788,7 +6303,7 @@
             </a:r>
           </a:p>
           <a:p>
-            <a:pPr indent="-342900" lvl="0" marL="457200" rtl="0">
+            <a:pPr marL="457200" lvl="0" indent="-342900" rtl="0">
               <a:lnSpc>
                 <a:spcPct val="115000"/>
               </a:lnSpc>
@@ -5818,7 +6333,7 @@
             </a:r>
           </a:p>
           <a:p>
-            <a:pPr indent="-342900" lvl="0" marL="457200" rtl="0">
+            <a:pPr marL="457200" lvl="0" indent="-342900" rtl="0">
               <a:lnSpc>
                 <a:spcPct val="115000"/>
               </a:lnSpc>
@@ -5848,7 +6363,7 @@
             </a:r>
           </a:p>
           <a:p>
-            <a:pPr indent="-342900" lvl="0" marL="457200" rtl="0">
+            <a:pPr marL="457200" lvl="0" indent="-342900" rtl="0">
               <a:lnSpc>
                 <a:spcPct val="115000"/>
               </a:lnSpc>
@@ -5878,7 +6393,7 @@
             </a:r>
           </a:p>
           <a:p>
-            <a:pPr indent="-342900" lvl="0" marL="457200" rtl="0">
+            <a:pPr marL="457200" lvl="0" indent="-342900" rtl="0">
               <a:lnSpc>
                 <a:spcPct val="115000"/>
               </a:lnSpc>
@@ -5914,18 +6429,18 @@
   <p:clrMapOvr>
     <a:masterClrMapping/>
   </p:clrMapOvr>
-  <p:transition spd="slow">
+  <p:transition xmlns:p14="http://schemas.microsoft.com/office/powerpoint/2010/main" spd="slow">
     <p:cut/>
   </p:transition>
 </p:sld>
 </file>
 
-<file path=ppt/slides/slide6.xml><?xml version="1.0" encoding="utf-8"?>
-<p:sld xmlns:a="http://schemas.openxmlformats.org/drawingml/2006/main" xmlns:r="http://schemas.openxmlformats.org/officeDocument/2006/relationships" xmlns:mc="http://schemas.openxmlformats.org/markup-compatibility/2006" xmlns:mv="urn:schemas-microsoft-com:mac:vml" xmlns:p="http://schemas.openxmlformats.org/presentationml/2006/main" xmlns:c="http://schemas.openxmlformats.org/drawingml/2006/chart" xmlns:dgm="http://schemas.openxmlformats.org/drawingml/2006/diagram" xmlns:o="urn:schemas-microsoft-com:office:office" xmlns:v="urn:schemas-microsoft-com:vml" xmlns:pvml="urn:schemas-microsoft-com:office:powerpoint" xmlns:com="http://schemas.openxmlformats.org/drawingml/2006/compatibility" xmlns:p14="http://schemas.microsoft.com/office/powerpoint/2010/main">
+<file path=ppt/slides/slide8.xml><?xml version="1.0" encoding="utf-8"?>
+<p:sld xmlns:a="http://schemas.openxmlformats.org/drawingml/2006/main" xmlns:r="http://schemas.openxmlformats.org/officeDocument/2006/relationships" xmlns:p="http://schemas.openxmlformats.org/presentationml/2006/main">
   <p:cSld>
     <p:spTree>
       <p:nvGrpSpPr>
-        <p:cNvPr id="99" name="Shape 99"/>
+        <p:cNvPr id="1" name=""/>
         <p:cNvGrpSpPr/>
         <p:nvPr/>
       </p:nvGrpSpPr>
@@ -5939,137 +6454,144 @@
       </p:grpSpPr>
       <p:sp>
         <p:nvSpPr>
-          <p:cNvPr id="100" name="Shape 100"/>
-          <p:cNvSpPr txBox="1"/>
+          <p:cNvPr id="2" name="Title 1"/>
+          <p:cNvSpPr>
+            <a:spLocks noGrp="1"/>
+          </p:cNvSpPr>
           <p:nvPr>
             <p:ph type="title"/>
           </p:nvPr>
         </p:nvSpPr>
-        <p:spPr>
-          <a:xfrm>
-            <a:off x="311700" y="445025"/>
-            <a:ext cx="8520599" cy="572699"/>
-          </a:xfrm>
-          <a:prstGeom prst="rect">
-            <a:avLst/>
-          </a:prstGeom>
-        </p:spPr>
+        <p:spPr/>
         <p:txBody>
-          <a:bodyPr anchorCtr="0" anchor="t" bIns="91425" lIns="91425" rIns="91425" tIns="91425">
-            <a:noAutofit/>
-          </a:bodyPr>
+          <a:bodyPr/>
           <a:lstStyle/>
           <a:p>
-            <a:pPr lvl="0">
-              <a:spcBef>
-                <a:spcPts val="0"/>
-              </a:spcBef>
-              <a:buNone/>
-            </a:pPr>
             <a:r>
-              <a:rPr lang="en"/>
-              <a:t>Data Sources</a:t>
+              <a:rPr lang="en-US" dirty="0" smtClean="0"/>
+              <a:t>Timeline</a:t>
             </a:r>
+            <a:endParaRPr lang="en-US" dirty="0"/>
           </a:p>
         </p:txBody>
       </p:sp>
       <p:sp>
         <p:nvSpPr>
-          <p:cNvPr id="101" name="Shape 101"/>
-          <p:cNvSpPr txBox="1"/>
+          <p:cNvPr id="3" name="Text Placeholder 2"/>
+          <p:cNvSpPr>
+            <a:spLocks noGrp="1"/>
+          </p:cNvSpPr>
           <p:nvPr>
-            <p:ph idx="1" type="body"/>
+            <p:ph type="body" idx="1"/>
           </p:nvPr>
         </p:nvSpPr>
-        <p:spPr>
-          <a:xfrm>
-            <a:off x="311700" y="1152475"/>
-            <a:ext cx="8520599" cy="3416400"/>
-          </a:xfrm>
-          <a:prstGeom prst="rect">
-            <a:avLst/>
-          </a:prstGeom>
-        </p:spPr>
+        <p:spPr/>
         <p:txBody>
-          <a:bodyPr anchorCtr="0" anchor="t" bIns="91425" lIns="91425" rIns="91425" tIns="91425">
-            <a:noAutofit/>
-          </a:bodyPr>
+          <a:bodyPr/>
           <a:lstStyle/>
           <a:p>
-            <a:pPr indent="-228600" lvl="0" marL="457200" rtl="0">
-              <a:spcBef>
-                <a:spcPts val="0"/>
-              </a:spcBef>
-            </a:pPr>
             <a:r>
-              <a:rPr lang="en"/>
-              <a:t>Chicago Public Schools website</a:t>
+              <a:rPr lang="en-US" dirty="0" smtClean="0"/>
+              <a:t>5</a:t>
             </a:r>
-          </a:p>
-          <a:p>
-            <a:pPr indent="-228600" lvl="0" marL="457200" rtl="0">
-              <a:spcBef>
-                <a:spcPts val="0"/>
-              </a:spcBef>
-            </a:pPr>
             <a:r>
-              <a:rPr lang="en"/>
-              <a:t>Chicago Magazine</a:t>
+              <a:rPr lang="en-US" baseline="30000" dirty="0" smtClean="0"/>
+              <a:t>th</a:t>
             </a:r>
-          </a:p>
-          <a:p>
-            <a:pPr indent="-228600" lvl="0" marL="457200">
-              <a:spcBef>
-                <a:spcPts val="0"/>
-              </a:spcBef>
-            </a:pPr>
             <a:r>
-              <a:rPr lang="en"/>
-              <a:t>Google Maps API</a:t>
+              <a:rPr lang="en-US" dirty="0" smtClean="0"/>
+              <a:t> week: extract CPS (Shelby) and private school data (Sherry)</a:t>
             </a:r>
+          </a:p>
+          <a:p>
+            <a:r>
+              <a:rPr lang="en-US" dirty="0" smtClean="0"/>
+              <a:t>6</a:t>
+            </a:r>
+            <a:r>
+              <a:rPr lang="en-US" baseline="30000" dirty="0" smtClean="0"/>
+              <a:t>th</a:t>
+            </a:r>
+            <a:r>
+              <a:rPr lang="en-US" dirty="0" smtClean="0"/>
+              <a:t> week: clean data and create SQL database (Joe)</a:t>
+            </a:r>
+          </a:p>
+          <a:p>
+            <a:r>
+              <a:rPr lang="en-US" dirty="0" smtClean="0"/>
+              <a:t>7</a:t>
+            </a:r>
+            <a:r>
+              <a:rPr lang="en-US" baseline="30000" dirty="0" smtClean="0"/>
+              <a:t>th</a:t>
+            </a:r>
+            <a:r>
+              <a:rPr lang="en-US" dirty="0" smtClean="0"/>
+              <a:t> – 8</a:t>
+            </a:r>
+            <a:r>
+              <a:rPr lang="en-US" baseline="30000" dirty="0" smtClean="0"/>
+              <a:t>th</a:t>
+            </a:r>
+            <a:r>
+              <a:rPr lang="en-US" dirty="0" smtClean="0"/>
+              <a:t> week: algorithm for filtering and ranking schools (Sherry and Shelby); Google Maps integration (Joe)</a:t>
+            </a:r>
+          </a:p>
+          <a:p>
+            <a:r>
+              <a:rPr lang="en-US" dirty="0" smtClean="0"/>
+              <a:t>9</a:t>
+            </a:r>
+            <a:r>
+              <a:rPr lang="en-US" baseline="30000" dirty="0" smtClean="0"/>
+              <a:t>th</a:t>
+            </a:r>
+            <a:r>
+              <a:rPr lang="en-US" dirty="0" smtClean="0"/>
+              <a:t> – 11</a:t>
+            </a:r>
+            <a:r>
+              <a:rPr lang="en-US" baseline="30000" dirty="0" smtClean="0"/>
+              <a:t>th</a:t>
+            </a:r>
+            <a:r>
+              <a:rPr lang="en-US" dirty="0" smtClean="0"/>
+              <a:t> week: </a:t>
+            </a:r>
+            <a:r>
+              <a:rPr lang="en-US" dirty="0" err="1" smtClean="0"/>
+              <a:t>Django</a:t>
+            </a:r>
+            <a:r>
+              <a:rPr lang="en-US" dirty="0" smtClean="0"/>
+              <a:t> interface (Joe), final implementation (all)</a:t>
+            </a:r>
+          </a:p>
+          <a:p>
+            <a:endParaRPr lang="en-US" dirty="0" smtClean="0"/>
+          </a:p>
+          <a:p>
+            <a:endParaRPr lang="en-US" dirty="0"/>
           </a:p>
         </p:txBody>
       </p:sp>
-      <p:pic>
-        <p:nvPicPr>
-          <p:cNvPr id="102" name="Shape 102"/>
-          <p:cNvPicPr preferRelativeResize="0"/>
-          <p:nvPr/>
-        </p:nvPicPr>
-        <p:blipFill rotWithShape="1">
-          <a:blip r:embed="rId3">
-            <a:alphaModFix/>
-          </a:blip>
-          <a:srcRect b="0" l="0" r="9033" t="0"/>
-          <a:stretch/>
-        </p:blipFill>
-        <p:spPr>
-          <a:xfrm>
-            <a:off x="3073624" y="1560512"/>
-            <a:ext cx="5758675" cy="3008374"/>
-          </a:xfrm>
-          <a:prstGeom prst="rect">
-            <a:avLst/>
-          </a:prstGeom>
-          <a:noFill/>
-          <a:ln>
-            <a:noFill/>
-          </a:ln>
-        </p:spPr>
-      </p:pic>
     </p:spTree>
+    <p:extLst>
+      <p:ext uri="{BB962C8B-B14F-4D97-AF65-F5344CB8AC3E}">
+        <p14:creationId xmlns:p14="http://schemas.microsoft.com/office/powerpoint/2010/main" val="156466846"/>
+      </p:ext>
+    </p:extLst>
   </p:cSld>
   <p:clrMapOvr>
     <a:masterClrMapping/>
   </p:clrMapOvr>
-  <p:transition spd="slow">
-    <p:cut/>
-  </p:transition>
 </p:sld>
 </file>
 
-<file path=ppt/theme/theme.xml><?xml version="1.0" encoding="utf-8"?>
-<a:theme xmlns:a="http://schemas.openxmlformats.org/drawingml/2006/main" xmlns:r="http://schemas.openxmlformats.org/officeDocument/2006/relationships" name="slate">
+<file path=ppt/theme/theme1.xml><?xml version="1.0" encoding="utf-8"?>
+<a:theme xmlns:a="http://schemas.openxmlformats.org/drawingml/2006/main" name="slate">
   <a:themeElements>
     <a:clrScheme name="Slate">
       <a:dk1>
@@ -6344,11 +6866,13 @@
       </a:bgFillStyleLst>
     </a:fmtScheme>
   </a:themeElements>
+  <a:objectDefaults/>
+  <a:extraClrSchemeLst/>
 </a:theme>
 </file>
 
-<file path=ppt/theme/theme1.xml><?xml version="1.0" encoding="utf-8"?>
-<a:theme xmlns:a="http://schemas.openxmlformats.org/drawingml/2006/main" xmlns:r="http://schemas.openxmlformats.org/officeDocument/2006/relationships" name="Custom Theme">
+<file path=ppt/theme/theme2.xml><?xml version="1.0" encoding="utf-8"?>
+<a:theme xmlns:a="http://schemas.openxmlformats.org/drawingml/2006/main" name="Custom Theme">
   <a:themeElements>
     <a:clrScheme name="Default">
       <a:dk1>
@@ -6623,5 +7147,7 @@
       </a:bgFillStyleLst>
     </a:fmtScheme>
   </a:themeElements>
+  <a:objectDefaults/>
+  <a:extraClrSchemeLst/>
 </a:theme>
 </file>